--- a/Powerpoints/AMS_Research_Meeting.pptx
+++ b/Powerpoints/AMS_Research_Meeting.pptx
@@ -5,20 +5,23 @@
     <p:sldMasterId id="2147483648" r:id="rId1"/>
   </p:sldMasterIdLst>
   <p:notesMasterIdLst>
-    <p:notesMasterId r:id="rId10"/>
+    <p:notesMasterId r:id="rId13"/>
   </p:notesMasterIdLst>
   <p:handoutMasterIdLst>
-    <p:handoutMasterId r:id="rId11"/>
+    <p:handoutMasterId r:id="rId14"/>
   </p:handoutMasterIdLst>
   <p:sldIdLst>
     <p:sldId id="262" r:id="rId2"/>
     <p:sldId id="279" r:id="rId3"/>
-    <p:sldId id="263" r:id="rId4"/>
-    <p:sldId id="286" r:id="rId5"/>
-    <p:sldId id="281" r:id="rId6"/>
-    <p:sldId id="284" r:id="rId7"/>
-    <p:sldId id="283" r:id="rId8"/>
-    <p:sldId id="285" r:id="rId9"/>
+    <p:sldId id="287" r:id="rId4"/>
+    <p:sldId id="288" r:id="rId5"/>
+    <p:sldId id="289" r:id="rId6"/>
+    <p:sldId id="263" r:id="rId7"/>
+    <p:sldId id="286" r:id="rId8"/>
+    <p:sldId id="281" r:id="rId9"/>
+    <p:sldId id="284" r:id="rId10"/>
+    <p:sldId id="283" r:id="rId11"/>
+    <p:sldId id="285" r:id="rId12"/>
   </p:sldIdLst>
   <p:sldSz cx="12192000" cy="6858000"/>
   <p:notesSz cx="6858000" cy="9144000"/>
@@ -210,7 +213,7 @@
           <a:p>
             <a:fld id="{E4DD5C9C-88A3-CA43-B162-DCC4E1E4BE7D}" type="datetimeFigureOut">
               <a:rPr lang="en-US" smtClean="0"/>
-              <a:t>2/12/24</a:t>
+              <a:t>10/11/24</a:t>
             </a:fld>
             <a:endParaRPr lang="en-US"/>
           </a:p>
@@ -375,7 +378,7 @@
           <a:p>
             <a:fld id="{D5B8ADC5-B0D3-B84C-BBB2-F6DD3574C56B}" type="datetimeFigureOut">
               <a:rPr lang="en-US" smtClean="0"/>
-              <a:t>2/12/24</a:t>
+              <a:t>10/11/24</a:t>
             </a:fld>
             <a:endParaRPr lang="en-US"/>
           </a:p>
@@ -686,6 +689,1057 @@
           <a:bodyPr/>
           <a:lstStyle/>
           <a:p>
+            <a:pPr marL="0" indent="0"/>
+            <a:r>
+              <a:rPr lang="en-US" dirty="0"/>
+              <a:t>-  Intro to GIS data and ML models  </a:t>
+            </a:r>
+          </a:p>
+          <a:p>
+            <a:pPr marL="457200" lvl="1" indent="0"/>
+            <a:r>
+              <a:rPr lang="en-US" dirty="0"/>
+              <a:t>- A brief introduction to GIS data structures, focusing on raster data, and explaining how machine learning models integrate with these data types to perform spatial analysis</a:t>
+            </a:r>
+          </a:p>
+          <a:p>
+            <a:pPr marL="171450" indent="-171450">
+              <a:buFontTx/>
+              <a:buChar char="-"/>
+            </a:pPr>
+            <a:r>
+              <a:rPr lang="en-US" dirty="0"/>
+              <a:t>ML models w/ vector data</a:t>
+            </a:r>
+          </a:p>
+          <a:p>
+            <a:pPr marL="628650" marR="0" lvl="1" indent="-171450" algn="l" defTabSz="914400" rtl="0" eaLnBrk="1" fontAlgn="auto" latinLnBrk="0" hangingPunct="1">
+              <a:lnSpc>
+                <a:spcPct val="100000"/>
+              </a:lnSpc>
+              <a:spcBef>
+                <a:spcPts val="0"/>
+              </a:spcBef>
+              <a:spcAft>
+                <a:spcPts val="0"/>
+              </a:spcAft>
+              <a:buClrTx/>
+              <a:buSzTx/>
+              <a:buFontTx/>
+              <a:buChar char="-"/>
+              <a:tabLst/>
+              <a:defRPr/>
+            </a:pPr>
+            <a:r>
+              <a:rPr lang="en-US" dirty="0"/>
+              <a:t>An explanation of why machine learning models struggle to work with vector data, highlighting the limitations and challenges of applying ML algorithms to vector-based spatial datasets.</a:t>
+            </a:r>
+          </a:p>
+          <a:p>
+            <a:pPr marL="171450" indent="-171450">
+              <a:buFontTx/>
+              <a:buChar char="-"/>
+            </a:pPr>
+            <a:r>
+              <a:rPr lang="en-US" dirty="0"/>
+              <a:t>Petroleum example using GIS/ML</a:t>
+            </a:r>
+          </a:p>
+          <a:p>
+            <a:pPr marL="628650" lvl="1" indent="-171450">
+              <a:buFontTx/>
+              <a:buChar char="-"/>
+            </a:pPr>
+            <a:r>
+              <a:rPr lang="en-US" dirty="0"/>
+              <a:t>A summary of a paper from the petrochemical industry, showcasing how vector data has been used in conjunction with ML models to address a specific problem in resource management or exploration.</a:t>
+            </a:r>
+          </a:p>
+          <a:p>
+            <a:pPr marL="171450" indent="-171450">
+              <a:buFontTx/>
+              <a:buChar char="-"/>
+            </a:pPr>
+            <a:r>
+              <a:rPr lang="en-US" dirty="0"/>
+              <a:t>Summary of the problem and research plan</a:t>
+            </a:r>
+          </a:p>
+          <a:p>
+            <a:pPr marL="628650" marR="0" lvl="1" indent="-171450" algn="l" defTabSz="914400" rtl="0" eaLnBrk="1" fontAlgn="auto" latinLnBrk="0" hangingPunct="1">
+              <a:lnSpc>
+                <a:spcPct val="100000"/>
+              </a:lnSpc>
+              <a:spcBef>
+                <a:spcPts val="0"/>
+              </a:spcBef>
+              <a:spcAft>
+                <a:spcPts val="0"/>
+              </a:spcAft>
+              <a:buClrTx/>
+              <a:buSzTx/>
+              <a:buFontTx/>
+              <a:buChar char="-"/>
+              <a:tabLst/>
+              <a:defRPr/>
+            </a:pPr>
+            <a:r>
+              <a:rPr lang="en-US" dirty="0"/>
+              <a:t>A recap of the challenges in applying ML to vector data, what has been done so far, and an outline of your proposed research direction to overcome these limitations in your own work.</a:t>
+            </a:r>
+          </a:p>
+          <a:p>
+            <a:pPr marL="628650" lvl="1" indent="-171450">
+              <a:buFontTx/>
+              <a:buChar char="-"/>
+            </a:pPr>
+            <a:endParaRPr lang="en-US" dirty="0"/>
+          </a:p>
+          <a:p>
+            <a:endParaRPr lang="en-US" dirty="0"/>
+          </a:p>
+        </p:txBody>
+      </p:sp>
+      <p:sp>
+        <p:nvSpPr>
+          <p:cNvPr id="4" name="Slide Number Placeholder 3"/>
+          <p:cNvSpPr>
+            <a:spLocks noGrp="1"/>
+          </p:cNvSpPr>
+          <p:nvPr>
+            <p:ph type="sldNum" sz="quarter" idx="5"/>
+          </p:nvPr>
+        </p:nvSpPr>
+        <p:spPr/>
+        <p:txBody>
+          <a:bodyPr/>
+          <a:lstStyle/>
+          <a:p>
+            <a:fld id="{02F5240D-060A-3E4B-A797-4CE8C69AC4D3}" type="slidenum">
+              <a:rPr lang="en-US" smtClean="0"/>
+              <a:t>2</a:t>
+            </a:fld>
+            <a:endParaRPr lang="en-US"/>
+          </a:p>
+        </p:txBody>
+      </p:sp>
+    </p:spTree>
+    <p:extLst>
+      <p:ext uri="{BB962C8B-B14F-4D97-AF65-F5344CB8AC3E}">
+        <p14:creationId xmlns:p14="http://schemas.microsoft.com/office/powerpoint/2010/main" val="465150385"/>
+      </p:ext>
+    </p:extLst>
+  </p:cSld>
+  <p:clrMapOvr>
+    <a:masterClrMapping/>
+  </p:clrMapOvr>
+</p:notes>
+</file>
+
+<file path=ppt/notesSlides/notesSlide10.xml><?xml version="1.0" encoding="utf-8"?>
+<p:notes xmlns:a="http://schemas.openxmlformats.org/drawingml/2006/main" xmlns:r="http://schemas.openxmlformats.org/officeDocument/2006/relationships" xmlns:p="http://schemas.openxmlformats.org/presentationml/2006/main">
+  <p:cSld>
+    <p:spTree>
+      <p:nvGrpSpPr>
+        <p:cNvPr id="1" name="">
+          <a:extLst>
+            <a:ext uri="{FF2B5EF4-FFF2-40B4-BE49-F238E27FC236}">
+              <a16:creationId xmlns:a16="http://schemas.microsoft.com/office/drawing/2014/main" id="{909E1FA1-6DF8-CA28-E41E-4B61BCBF58E9}"/>
+            </a:ext>
+          </a:extLst>
+        </p:cNvPr>
+        <p:cNvGrpSpPr/>
+        <p:nvPr/>
+      </p:nvGrpSpPr>
+      <p:grpSpPr>
+        <a:xfrm>
+          <a:off x="0" y="0"/>
+          <a:ext cx="0" cy="0"/>
+          <a:chOff x="0" y="0"/>
+          <a:chExt cx="0" cy="0"/>
+        </a:xfrm>
+      </p:grpSpPr>
+      <p:sp>
+        <p:nvSpPr>
+          <p:cNvPr id="2" name="Slide Image Placeholder 1">
+            <a:extLst>
+              <a:ext uri="{FF2B5EF4-FFF2-40B4-BE49-F238E27FC236}">
+                <a16:creationId xmlns:a16="http://schemas.microsoft.com/office/drawing/2014/main" id="{938B154B-FBF3-295F-7FC0-B09F2506E78A}"/>
+              </a:ext>
+            </a:extLst>
+          </p:cNvPr>
+          <p:cNvSpPr>
+            <a:spLocks noGrp="1" noRot="1" noChangeAspect="1"/>
+          </p:cNvSpPr>
+          <p:nvPr>
+            <p:ph type="sldImg"/>
+          </p:nvPr>
+        </p:nvSpPr>
+        <p:spPr/>
+      </p:sp>
+      <p:sp>
+        <p:nvSpPr>
+          <p:cNvPr id="3" name="Notes Placeholder 2">
+            <a:extLst>
+              <a:ext uri="{FF2B5EF4-FFF2-40B4-BE49-F238E27FC236}">
+                <a16:creationId xmlns:a16="http://schemas.microsoft.com/office/drawing/2014/main" id="{E81E3BD5-CC7A-069A-D95B-D75DFAF62D72}"/>
+              </a:ext>
+            </a:extLst>
+          </p:cNvPr>
+          <p:cNvSpPr>
+            <a:spLocks noGrp="1"/>
+          </p:cNvSpPr>
+          <p:nvPr>
+            <p:ph type="body" idx="1"/>
+          </p:nvPr>
+        </p:nvSpPr>
+        <p:spPr/>
+        <p:txBody>
+          <a:bodyPr/>
+          <a:lstStyle/>
+          <a:p>
+            <a:pPr marL="171450" indent="-171450">
+              <a:buFont typeface="Arial" panose="020B0604020202020204" pitchFamily="34" charset="0"/>
+              <a:buChar char="•"/>
+            </a:pPr>
+            <a:endParaRPr lang="en-US" b="0" i="0" dirty="0">
+              <a:solidFill>
+                <a:srgbClr val="0D0D0D"/>
+              </a:solidFill>
+              <a:effectLst/>
+              <a:latin typeface="Söhne"/>
+            </a:endParaRPr>
+          </a:p>
+          <a:p>
+            <a:pPr marL="171450" indent="-171450">
+              <a:buFont typeface="Arial" panose="020B0604020202020204" pitchFamily="34" charset="0"/>
+              <a:buChar char="•"/>
+            </a:pPr>
+            <a:endParaRPr lang="en-US" dirty="0"/>
+          </a:p>
+        </p:txBody>
+      </p:sp>
+      <p:sp>
+        <p:nvSpPr>
+          <p:cNvPr id="4" name="Slide Number Placeholder 3">
+            <a:extLst>
+              <a:ext uri="{FF2B5EF4-FFF2-40B4-BE49-F238E27FC236}">
+                <a16:creationId xmlns:a16="http://schemas.microsoft.com/office/drawing/2014/main" id="{BE87BFBE-978E-DDED-885B-C103421AB45F}"/>
+              </a:ext>
+            </a:extLst>
+          </p:cNvPr>
+          <p:cNvSpPr>
+            <a:spLocks noGrp="1"/>
+          </p:cNvSpPr>
+          <p:nvPr>
+            <p:ph type="sldNum" sz="quarter" idx="5"/>
+          </p:nvPr>
+        </p:nvSpPr>
+        <p:spPr/>
+        <p:txBody>
+          <a:bodyPr/>
+          <a:lstStyle/>
+          <a:p>
+            <a:fld id="{02F5240D-060A-3E4B-A797-4CE8C69AC4D3}" type="slidenum">
+              <a:rPr lang="en-US" smtClean="0"/>
+              <a:t>11</a:t>
+            </a:fld>
+            <a:endParaRPr lang="en-US"/>
+          </a:p>
+        </p:txBody>
+      </p:sp>
+    </p:spTree>
+    <p:extLst>
+      <p:ext uri="{BB962C8B-B14F-4D97-AF65-F5344CB8AC3E}">
+        <p14:creationId xmlns:p14="http://schemas.microsoft.com/office/powerpoint/2010/main" val="1144628734"/>
+      </p:ext>
+    </p:extLst>
+  </p:cSld>
+  <p:clrMapOvr>
+    <a:masterClrMapping/>
+  </p:clrMapOvr>
+</p:notes>
+</file>
+
+<file path=ppt/notesSlides/notesSlide2.xml><?xml version="1.0" encoding="utf-8"?>
+<p:notes xmlns:a="http://schemas.openxmlformats.org/drawingml/2006/main" xmlns:r="http://schemas.openxmlformats.org/officeDocument/2006/relationships" xmlns:p="http://schemas.openxmlformats.org/presentationml/2006/main">
+  <p:cSld>
+    <p:spTree>
+      <p:nvGrpSpPr>
+        <p:cNvPr id="1" name=""/>
+        <p:cNvGrpSpPr/>
+        <p:nvPr/>
+      </p:nvGrpSpPr>
+      <p:grpSpPr>
+        <a:xfrm>
+          <a:off x="0" y="0"/>
+          <a:ext cx="0" cy="0"/>
+          <a:chOff x="0" y="0"/>
+          <a:chExt cx="0" cy="0"/>
+        </a:xfrm>
+      </p:grpSpPr>
+      <p:sp>
+        <p:nvSpPr>
+          <p:cNvPr id="2" name="Slide Image Placeholder 1"/>
+          <p:cNvSpPr>
+            <a:spLocks noGrp="1" noRot="1" noChangeAspect="1"/>
+          </p:cNvSpPr>
+          <p:nvPr>
+            <p:ph type="sldImg"/>
+          </p:nvPr>
+        </p:nvSpPr>
+        <p:spPr/>
+      </p:sp>
+      <p:sp>
+        <p:nvSpPr>
+          <p:cNvPr id="3" name="Notes Placeholder 2"/>
+          <p:cNvSpPr>
+            <a:spLocks noGrp="1"/>
+          </p:cNvSpPr>
+          <p:nvPr>
+            <p:ph type="body" idx="1"/>
+          </p:nvPr>
+        </p:nvSpPr>
+        <p:spPr/>
+        <p:txBody>
+          <a:bodyPr/>
+          <a:lstStyle/>
+          <a:p>
+            <a:r>
+              <a:rPr lang="en-US" sz="1800" b="0" i="0" u="none" strike="noStrike" dirty="0">
+                <a:solidFill>
+                  <a:srgbClr val="000000"/>
+                </a:solidFill>
+                <a:effectLst/>
+                <a:latin typeface="Arial" panose="020B0604020202020204" pitchFamily="34" charset="0"/>
+              </a:rPr>
+              <a:t>- Geographic Information System (GIS) is a computer system that analyzes and visualizes geographically referenced information</a:t>
+            </a:r>
+          </a:p>
+          <a:p>
+            <a:pPr lvl="1"/>
+            <a:r>
+              <a:rPr lang="en-US" sz="3200" dirty="0"/>
+              <a:t>- GIS helps in integrating various forms of spatial data and analyzing geographic patterns and trends.</a:t>
+            </a:r>
+            <a:endParaRPr lang="en-US" sz="1800" b="0" i="0" u="none" strike="noStrike" dirty="0">
+              <a:solidFill>
+                <a:srgbClr val="000000"/>
+              </a:solidFill>
+              <a:effectLst/>
+              <a:latin typeface="Arial" panose="020B0604020202020204" pitchFamily="34" charset="0"/>
+            </a:endParaRPr>
+          </a:p>
+          <a:p>
+            <a:r>
+              <a:rPr lang="en-US" b="1" dirty="0"/>
+              <a:t>- </a:t>
+            </a:r>
+            <a:r>
+              <a:rPr lang="en-US" b="1" dirty="0" err="1"/>
+              <a:t>GeoDataFrame</a:t>
+            </a:r>
+            <a:r>
+              <a:rPr lang="en-US" dirty="0"/>
+              <a:t> is a data structure that extends a typical </a:t>
+            </a:r>
+            <a:r>
+              <a:rPr lang="en-US" dirty="0" err="1"/>
+              <a:t>DataFrame</a:t>
+            </a:r>
+            <a:r>
+              <a:rPr lang="en-US" dirty="0"/>
+              <a:t> by allowing for the storage and manipulation of geometric data (points, lines, polygons) along with features</a:t>
+            </a:r>
+          </a:p>
+          <a:p>
+            <a:endParaRPr lang="en-US" dirty="0"/>
+          </a:p>
+          <a:p>
+            <a:r>
+              <a:rPr lang="en-US" dirty="0"/>
+              <a:t>- Vector Data: </a:t>
+            </a:r>
+          </a:p>
+          <a:p>
+            <a:pPr lvl="1"/>
+            <a:r>
+              <a:rPr lang="en-US" dirty="0"/>
+              <a:t>Represents geographic features as points (e.g., cities), lines (e.g., roads), and polygons (e.g., boundaries).</a:t>
+            </a:r>
+          </a:p>
+          <a:p>
+            <a:pPr lvl="1"/>
+            <a:r>
+              <a:rPr lang="en-US" b="1" dirty="0"/>
+              <a:t>Collection</a:t>
+            </a:r>
+            <a:r>
+              <a:rPr lang="en-US" dirty="0"/>
+              <a:t>: Often derived from ground truthing, field surveys, GPS tracking, or manually digitized data from maps.</a:t>
+            </a:r>
+          </a:p>
+          <a:p>
+            <a:endParaRPr lang="en-US" dirty="0"/>
+          </a:p>
+          <a:p>
+            <a:r>
+              <a:rPr lang="en-US" dirty="0"/>
+              <a:t>- Raster Data: </a:t>
+            </a:r>
+          </a:p>
+          <a:p>
+            <a:pPr lvl="1"/>
+            <a:r>
+              <a:rPr lang="en-US" dirty="0"/>
+              <a:t>Represents the world as a grid of pixels.</a:t>
+            </a:r>
+          </a:p>
+          <a:p>
+            <a:pPr lvl="1"/>
+            <a:r>
+              <a:rPr lang="en-US" dirty="0"/>
+              <a:t>Each pixel contains a value representing an attribute, like elevation, temperature, or land cover.</a:t>
+            </a:r>
+          </a:p>
+          <a:p>
+            <a:pPr lvl="1"/>
+            <a:r>
+              <a:rPr lang="en-US" dirty="0"/>
+              <a:t>Commonly used in remote sensing and satellite imagery.</a:t>
+            </a:r>
+            <a:r>
+              <a:rPr lang="en-US" b="1" dirty="0"/>
+              <a:t> </a:t>
+            </a:r>
+            <a:endParaRPr lang="en-US" dirty="0"/>
+          </a:p>
+          <a:p>
+            <a:endParaRPr lang="en-US" dirty="0"/>
+          </a:p>
+          <a:p>
+            <a:pPr marL="457200" marR="0" lvl="0" indent="-298450" algn="l" defTabSz="914400" rtl="0" eaLnBrk="1" fontAlgn="auto" latinLnBrk="0" hangingPunct="1">
+              <a:lnSpc>
+                <a:spcPct val="100000"/>
+              </a:lnSpc>
+              <a:spcBef>
+                <a:spcPts val="0"/>
+              </a:spcBef>
+              <a:spcAft>
+                <a:spcPts val="0"/>
+              </a:spcAft>
+              <a:buClr>
+                <a:srgbClr val="000000"/>
+              </a:buClr>
+              <a:buSzPts val="1100"/>
+              <a:buFont typeface="Arial"/>
+              <a:buChar char="●"/>
+              <a:tabLst/>
+              <a:defRPr/>
+            </a:pPr>
+            <a:r>
+              <a:rPr lang="en-US" sz="3200" dirty="0"/>
+              <a:t>Comparison</a:t>
+            </a:r>
+          </a:p>
+          <a:p>
+            <a:pPr marL="914400" marR="0" lvl="1" indent="-298450" algn="l" defTabSz="914400" rtl="0" eaLnBrk="1" fontAlgn="auto" latinLnBrk="0" hangingPunct="1">
+              <a:lnSpc>
+                <a:spcPct val="100000"/>
+              </a:lnSpc>
+              <a:spcBef>
+                <a:spcPts val="0"/>
+              </a:spcBef>
+              <a:spcAft>
+                <a:spcPts val="0"/>
+              </a:spcAft>
+              <a:buClr>
+                <a:srgbClr val="000000"/>
+              </a:buClr>
+              <a:buSzPts val="1100"/>
+              <a:buFont typeface="Arial"/>
+              <a:buChar char="●"/>
+              <a:tabLst/>
+              <a:defRPr/>
+            </a:pPr>
+            <a:r>
+              <a:rPr lang="en-US" sz="3200" b="1" dirty="0"/>
+              <a:t>Raster</a:t>
+            </a:r>
+            <a:r>
+              <a:rPr lang="en-US" sz="3200" dirty="0"/>
+              <a:t>: Good for continuous data (e.g., elevation, temperature).</a:t>
+            </a:r>
+          </a:p>
+          <a:p>
+            <a:pPr marL="914400" marR="0" lvl="1" indent="-298450" algn="l" defTabSz="914400" rtl="0" eaLnBrk="1" fontAlgn="auto" latinLnBrk="0" hangingPunct="1">
+              <a:lnSpc>
+                <a:spcPct val="100000"/>
+              </a:lnSpc>
+              <a:spcBef>
+                <a:spcPts val="0"/>
+              </a:spcBef>
+              <a:spcAft>
+                <a:spcPts val="0"/>
+              </a:spcAft>
+              <a:buClr>
+                <a:srgbClr val="000000"/>
+              </a:buClr>
+              <a:buSzPts val="1100"/>
+              <a:buFont typeface="Arial"/>
+              <a:buChar char="●"/>
+              <a:tabLst/>
+              <a:defRPr/>
+            </a:pPr>
+            <a:r>
+              <a:rPr lang="en-US" sz="3200" b="1" dirty="0"/>
+              <a:t>Vector</a:t>
+            </a:r>
+            <a:r>
+              <a:rPr lang="en-US" sz="3200" dirty="0"/>
+              <a:t>: Best for discrete, precise features (e.g., infrastructure, boundaries, survey data).</a:t>
+            </a:r>
+            <a:endParaRPr lang="en-US" sz="1800" b="0" i="0" u="none" strike="noStrike" dirty="0">
+              <a:solidFill>
+                <a:srgbClr val="000000"/>
+              </a:solidFill>
+              <a:effectLst/>
+              <a:latin typeface="Arial" panose="020B0604020202020204" pitchFamily="34" charset="0"/>
+            </a:endParaRPr>
+          </a:p>
+          <a:p>
+            <a:pPr marL="914400" marR="0" lvl="1" indent="-298450" algn="l" defTabSz="914400" rtl="0" eaLnBrk="1" fontAlgn="auto" latinLnBrk="0" hangingPunct="1">
+              <a:lnSpc>
+                <a:spcPct val="100000"/>
+              </a:lnSpc>
+              <a:spcBef>
+                <a:spcPts val="0"/>
+              </a:spcBef>
+              <a:spcAft>
+                <a:spcPts val="0"/>
+              </a:spcAft>
+              <a:buClr>
+                <a:srgbClr val="000000"/>
+              </a:buClr>
+              <a:buSzPts val="1100"/>
+              <a:buFont typeface="Arial"/>
+              <a:buChar char="●"/>
+              <a:tabLst/>
+              <a:defRPr/>
+            </a:pPr>
+            <a:r>
+              <a:rPr lang="en-US" sz="1800" b="0" i="0" u="none" strike="noStrike" dirty="0">
+                <a:solidFill>
+                  <a:srgbClr val="000000"/>
+                </a:solidFill>
+                <a:effectLst/>
+                <a:latin typeface="Arial" panose="020B0604020202020204" pitchFamily="34" charset="0"/>
+              </a:rPr>
+              <a:t>Difference in Usage: Vector data is often more accurate (ground-truth data), while raster data provides broader and often automated coverage.</a:t>
+            </a:r>
+          </a:p>
+        </p:txBody>
+      </p:sp>
+      <p:sp>
+        <p:nvSpPr>
+          <p:cNvPr id="4" name="Slide Number Placeholder 3"/>
+          <p:cNvSpPr>
+            <a:spLocks noGrp="1"/>
+          </p:cNvSpPr>
+          <p:nvPr>
+            <p:ph type="sldNum" sz="quarter" idx="5"/>
+          </p:nvPr>
+        </p:nvSpPr>
+        <p:spPr/>
+        <p:txBody>
+          <a:bodyPr/>
+          <a:lstStyle/>
+          <a:p>
+            <a:fld id="{02F5240D-060A-3E4B-A797-4CE8C69AC4D3}" type="slidenum">
+              <a:rPr lang="en-US" smtClean="0"/>
+              <a:t>3</a:t>
+            </a:fld>
+            <a:endParaRPr lang="en-US"/>
+          </a:p>
+        </p:txBody>
+      </p:sp>
+    </p:spTree>
+    <p:extLst>
+      <p:ext uri="{BB962C8B-B14F-4D97-AF65-F5344CB8AC3E}">
+        <p14:creationId xmlns:p14="http://schemas.microsoft.com/office/powerpoint/2010/main" val="1971344603"/>
+      </p:ext>
+    </p:extLst>
+  </p:cSld>
+  <p:clrMapOvr>
+    <a:masterClrMapping/>
+  </p:clrMapOvr>
+</p:notes>
+</file>
+
+<file path=ppt/notesSlides/notesSlide3.xml><?xml version="1.0" encoding="utf-8"?>
+<p:notes xmlns:a="http://schemas.openxmlformats.org/drawingml/2006/main" xmlns:r="http://schemas.openxmlformats.org/officeDocument/2006/relationships" xmlns:p="http://schemas.openxmlformats.org/presentationml/2006/main">
+  <p:cSld>
+    <p:spTree>
+      <p:nvGrpSpPr>
+        <p:cNvPr id="1" name=""/>
+        <p:cNvGrpSpPr/>
+        <p:nvPr/>
+      </p:nvGrpSpPr>
+      <p:grpSpPr>
+        <a:xfrm>
+          <a:off x="0" y="0"/>
+          <a:ext cx="0" cy="0"/>
+          <a:chOff x="0" y="0"/>
+          <a:chExt cx="0" cy="0"/>
+        </a:xfrm>
+      </p:grpSpPr>
+      <p:sp>
+        <p:nvSpPr>
+          <p:cNvPr id="2" name="Slide Image Placeholder 1"/>
+          <p:cNvSpPr>
+            <a:spLocks noGrp="1" noRot="1" noChangeAspect="1"/>
+          </p:cNvSpPr>
+          <p:nvPr>
+            <p:ph type="sldImg"/>
+          </p:nvPr>
+        </p:nvSpPr>
+        <p:spPr/>
+      </p:sp>
+      <p:sp>
+        <p:nvSpPr>
+          <p:cNvPr id="3" name="Notes Placeholder 2"/>
+          <p:cNvSpPr>
+            <a:spLocks noGrp="1"/>
+          </p:cNvSpPr>
+          <p:nvPr>
+            <p:ph type="body" idx="1"/>
+          </p:nvPr>
+        </p:nvSpPr>
+        <p:spPr/>
+        <p:txBody>
+          <a:bodyPr/>
+          <a:lstStyle/>
+          <a:p>
+            <a:pPr marL="0" marR="0" lvl="0" indent="0" algn="l" defTabSz="914400" rtl="0" eaLnBrk="1" fontAlgn="auto" latinLnBrk="0" hangingPunct="1">
+              <a:lnSpc>
+                <a:spcPct val="100000"/>
+              </a:lnSpc>
+              <a:spcBef>
+                <a:spcPts val="0"/>
+              </a:spcBef>
+              <a:spcAft>
+                <a:spcPts val="0"/>
+              </a:spcAft>
+              <a:buClrTx/>
+              <a:buSzTx/>
+              <a:buFontTx/>
+              <a:buNone/>
+              <a:tabLst/>
+              <a:defRPr/>
+            </a:pPr>
+            <a:r>
+              <a:rPr lang="en-US" sz="1200" dirty="0"/>
+              <a:t>- Raster data can be thought of as a </a:t>
+            </a:r>
+            <a:r>
+              <a:rPr lang="en-US" sz="1200" b="1" dirty="0"/>
+              <a:t>matrix</a:t>
+            </a:r>
+            <a:r>
+              <a:rPr lang="en-US" sz="1200" dirty="0"/>
+              <a:t> or a grid, where each cell (pixel) has a value. Let’s assume a raster image with dimensions M×NM \times NM×N. This can be represented mathematically as the image</a:t>
+            </a:r>
+          </a:p>
+          <a:p>
+            <a:pPr marL="0" marR="0" lvl="0" indent="0" algn="l" defTabSz="914400" rtl="0" eaLnBrk="1" fontAlgn="auto" latinLnBrk="0" hangingPunct="1">
+              <a:lnSpc>
+                <a:spcPct val="100000"/>
+              </a:lnSpc>
+              <a:spcBef>
+                <a:spcPts val="0"/>
+              </a:spcBef>
+              <a:spcAft>
+                <a:spcPts val="0"/>
+              </a:spcAft>
+              <a:buClrTx/>
+              <a:buSzTx/>
+              <a:buFontTx/>
+              <a:buNone/>
+              <a:tabLst/>
+              <a:defRPr/>
+            </a:pPr>
+            <a:r>
+              <a:rPr lang="en-US" sz="1200" dirty="0"/>
+              <a:t>	- Here, </a:t>
+            </a:r>
+            <a:r>
+              <a:rPr lang="en-US" sz="1200" dirty="0" err="1"/>
+              <a:t>r_ij</a:t>
+            </a:r>
+            <a:r>
+              <a:rPr lang="en-US" sz="1200" dirty="0"/>
+              <a:t>​ is the value at pixel (</a:t>
+            </a:r>
+            <a:r>
+              <a:rPr lang="en-US" sz="1200" dirty="0" err="1"/>
+              <a:t>i</a:t>
+            </a:r>
+            <a:r>
+              <a:rPr lang="en-US" sz="1200" dirty="0"/>
+              <a:t>, j). Each pixel can represent a piece of information such as land cover, temperature, or elevation.</a:t>
+            </a:r>
+          </a:p>
+          <a:p>
+            <a:pPr marL="171450" indent="-171450">
+              <a:buFontTx/>
+              <a:buChar char="-"/>
+            </a:pPr>
+            <a:r>
+              <a:rPr lang="en-US" sz="1200" dirty="0"/>
+              <a:t>For machine learning models, particularly in </a:t>
+            </a:r>
+            <a:r>
+              <a:rPr lang="en-US" sz="1200" b="1" dirty="0"/>
+              <a:t>image recognition</a:t>
+            </a:r>
+            <a:r>
+              <a:rPr lang="en-US" sz="1200" dirty="0"/>
+              <a:t> tasks, this grid format works well because:	</a:t>
+            </a:r>
+          </a:p>
+          <a:p>
+            <a:pPr marL="628650" lvl="1" indent="-171450">
+              <a:buFontTx/>
+              <a:buChar char="-"/>
+            </a:pPr>
+            <a:r>
+              <a:rPr lang="en-US" sz="1200" dirty="0"/>
+              <a:t>Each </a:t>
+            </a:r>
+            <a:r>
+              <a:rPr lang="en-US" sz="1200" b="1" dirty="0"/>
+              <a:t>pixel</a:t>
+            </a:r>
+            <a:r>
+              <a:rPr lang="en-US" sz="1200" dirty="0"/>
+              <a:t> </a:t>
+            </a:r>
+            <a:r>
+              <a:rPr lang="en-US" sz="1200" dirty="0" err="1"/>
+              <a:t>r_ij</a:t>
+            </a:r>
+            <a:r>
+              <a:rPr lang="en-US" sz="1200" dirty="0"/>
+              <a:t> can be treated as an independent feature or input into the ML algorithm.</a:t>
+            </a:r>
+          </a:p>
+          <a:p>
+            <a:pPr marL="628650" lvl="1" indent="-171450">
+              <a:buFontTx/>
+              <a:buChar char="-"/>
+            </a:pPr>
+            <a:r>
+              <a:rPr lang="en-US" sz="1200" dirty="0"/>
+              <a:t>Convolutional neural networks (CNNs) can apply </a:t>
+            </a:r>
+            <a:r>
+              <a:rPr lang="en-US" sz="1200" b="1" dirty="0"/>
+              <a:t>filters</a:t>
+            </a:r>
+            <a:r>
+              <a:rPr lang="en-US" sz="1200" dirty="0"/>
+              <a:t> across this matrix, allowing for the automatic detection of patterns like edges, corners, or textures.</a:t>
+            </a:r>
+          </a:p>
+          <a:p>
+            <a:endParaRPr lang="en-US" dirty="0"/>
+          </a:p>
+          <a:p>
+            <a:r>
+              <a:rPr lang="en-US" dirty="0"/>
+              <a:t>2. A typical convolution operation used in CNNs slides a </a:t>
+            </a:r>
+            <a:r>
+              <a:rPr lang="en-US" b="1" dirty="0"/>
+              <a:t>kernel</a:t>
+            </a:r>
+            <a:r>
+              <a:rPr lang="en-US" dirty="0"/>
+              <a:t> (filter) over the raster image. If we represent the kernel as K, with dimensions </a:t>
+            </a:r>
+            <a:r>
+              <a:rPr lang="en-US" dirty="0" err="1"/>
+              <a:t>m×nm</a:t>
+            </a:r>
+            <a:r>
+              <a:rPr lang="en-US" dirty="0"/>
+              <a:t> \times </a:t>
+            </a:r>
+            <a:r>
+              <a:rPr lang="en-US" dirty="0" err="1"/>
+              <a:t>nm×n</a:t>
+            </a:r>
+            <a:r>
+              <a:rPr lang="en-US" dirty="0"/>
+              <a:t>, the convolution operation for pixel (</a:t>
+            </a:r>
+            <a:r>
+              <a:rPr lang="en-US" dirty="0" err="1"/>
+              <a:t>i</a:t>
+            </a:r>
+            <a:r>
+              <a:rPr lang="en-US" dirty="0"/>
+              <a:t>, j) looks the the equation on the right</a:t>
+            </a:r>
+          </a:p>
+          <a:p>
+            <a:pPr marL="0" marR="0" lvl="0" indent="0" algn="l" defTabSz="914400" rtl="0" eaLnBrk="1" fontAlgn="auto" latinLnBrk="0" hangingPunct="1">
+              <a:lnSpc>
+                <a:spcPct val="100000"/>
+              </a:lnSpc>
+              <a:spcBef>
+                <a:spcPts val="0"/>
+              </a:spcBef>
+              <a:spcAft>
+                <a:spcPts val="0"/>
+              </a:spcAft>
+              <a:buClrTx/>
+              <a:buSzTx/>
+              <a:buFontTx/>
+              <a:buNone/>
+              <a:tabLst/>
+              <a:defRPr/>
+            </a:pPr>
+            <a:r>
+              <a:rPr lang="en-US" dirty="0"/>
+              <a:t>- This equation sums up the weighted pixel values in the neighborhood defined by the kernel, which is directly feasible for </a:t>
+            </a:r>
+            <a:r>
+              <a:rPr lang="en-US" b="1" dirty="0"/>
+              <a:t>raster data</a:t>
+            </a:r>
+            <a:r>
+              <a:rPr lang="en-US" dirty="0"/>
+              <a:t> since it’s structured as a matrix.</a:t>
+            </a:r>
+          </a:p>
+          <a:p>
+            <a:endParaRPr lang="en-US" dirty="0"/>
+          </a:p>
+          <a:p>
+            <a:endParaRPr lang="en-US" dirty="0"/>
+          </a:p>
+        </p:txBody>
+      </p:sp>
+      <p:sp>
+        <p:nvSpPr>
+          <p:cNvPr id="4" name="Slide Number Placeholder 3"/>
+          <p:cNvSpPr>
+            <a:spLocks noGrp="1"/>
+          </p:cNvSpPr>
+          <p:nvPr>
+            <p:ph type="sldNum" sz="quarter" idx="5"/>
+          </p:nvPr>
+        </p:nvSpPr>
+        <p:spPr/>
+        <p:txBody>
+          <a:bodyPr/>
+          <a:lstStyle/>
+          <a:p>
+            <a:fld id="{02F5240D-060A-3E4B-A797-4CE8C69AC4D3}" type="slidenum">
+              <a:rPr lang="en-US" smtClean="0"/>
+              <a:t>4</a:t>
+            </a:fld>
+            <a:endParaRPr lang="en-US"/>
+          </a:p>
+        </p:txBody>
+      </p:sp>
+    </p:spTree>
+    <p:extLst>
+      <p:ext uri="{BB962C8B-B14F-4D97-AF65-F5344CB8AC3E}">
+        <p14:creationId xmlns:p14="http://schemas.microsoft.com/office/powerpoint/2010/main" val="2751493684"/>
+      </p:ext>
+    </p:extLst>
+  </p:cSld>
+  <p:clrMapOvr>
+    <a:masterClrMapping/>
+  </p:clrMapOvr>
+</p:notes>
+</file>
+
+<file path=ppt/notesSlides/notesSlide4.xml><?xml version="1.0" encoding="utf-8"?>
+<p:notes xmlns:a="http://schemas.openxmlformats.org/drawingml/2006/main" xmlns:r="http://schemas.openxmlformats.org/officeDocument/2006/relationships" xmlns:p="http://schemas.openxmlformats.org/presentationml/2006/main">
+  <p:cSld>
+    <p:spTree>
+      <p:nvGrpSpPr>
+        <p:cNvPr id="1" name=""/>
+        <p:cNvGrpSpPr/>
+        <p:nvPr/>
+      </p:nvGrpSpPr>
+      <p:grpSpPr>
+        <a:xfrm>
+          <a:off x="0" y="0"/>
+          <a:ext cx="0" cy="0"/>
+          <a:chOff x="0" y="0"/>
+          <a:chExt cx="0" cy="0"/>
+        </a:xfrm>
+      </p:grpSpPr>
+      <p:sp>
+        <p:nvSpPr>
+          <p:cNvPr id="2" name="Slide Image Placeholder 1"/>
+          <p:cNvSpPr>
+            <a:spLocks noGrp="1" noRot="1" noChangeAspect="1"/>
+          </p:cNvSpPr>
+          <p:nvPr>
+            <p:ph type="sldImg"/>
+          </p:nvPr>
+        </p:nvSpPr>
+        <p:spPr/>
+      </p:sp>
+      <p:sp>
+        <p:nvSpPr>
+          <p:cNvPr id="3" name="Notes Placeholder 2"/>
+          <p:cNvSpPr>
+            <a:spLocks noGrp="1"/>
+          </p:cNvSpPr>
+          <p:nvPr>
+            <p:ph type="body" idx="1"/>
+          </p:nvPr>
+        </p:nvSpPr>
+        <p:spPr/>
+        <p:txBody>
+          <a:bodyPr/>
+          <a:lstStyle/>
+          <a:p>
+            <a:pPr marL="0" marR="0" lvl="0" indent="0" algn="l" defTabSz="914400" rtl="0" eaLnBrk="1" fontAlgn="auto" latinLnBrk="0" hangingPunct="1">
+              <a:lnSpc>
+                <a:spcPct val="100000"/>
+              </a:lnSpc>
+              <a:spcBef>
+                <a:spcPts val="0"/>
+              </a:spcBef>
+              <a:spcAft>
+                <a:spcPts val="0"/>
+              </a:spcAft>
+              <a:buClrTx/>
+              <a:buSzTx/>
+              <a:buFontTx/>
+              <a:buNone/>
+              <a:tabLst/>
+              <a:defRPr/>
+            </a:pPr>
+            <a:r>
+              <a:rPr lang="en-US" dirty="0"/>
+              <a:t>Vector data, on the other hand, consists of </a:t>
+            </a:r>
+            <a:r>
+              <a:rPr lang="en-US" b="1" dirty="0"/>
+              <a:t>points, lines, and polygons</a:t>
+            </a:r>
+            <a:r>
+              <a:rPr lang="en-US" dirty="0"/>
+              <a:t> that are stored as coordinates. This makes it much more difficult to fit into standard ML models designed for regular, grid-like input.</a:t>
+            </a:r>
+          </a:p>
+          <a:p>
+            <a:endParaRPr lang="en-US" dirty="0"/>
+          </a:p>
+          <a:p>
+            <a:r>
+              <a:rPr lang="en-US" dirty="0"/>
+              <a:t>A </a:t>
+            </a:r>
+            <a:r>
+              <a:rPr lang="en-US" b="1" dirty="0"/>
+              <a:t>line</a:t>
+            </a:r>
+            <a:r>
+              <a:rPr lang="en-US" dirty="0"/>
+              <a:t> in vector data is represented as a series of connected points with coordinates (x1,y1)(x2,y2)</a:t>
+            </a:r>
+          </a:p>
+        </p:txBody>
+      </p:sp>
+      <p:sp>
+        <p:nvSpPr>
+          <p:cNvPr id="4" name="Slide Number Placeholder 3"/>
+          <p:cNvSpPr>
+            <a:spLocks noGrp="1"/>
+          </p:cNvSpPr>
+          <p:nvPr>
+            <p:ph type="sldNum" sz="quarter" idx="5"/>
+          </p:nvPr>
+        </p:nvSpPr>
+        <p:spPr/>
+        <p:txBody>
+          <a:bodyPr/>
+          <a:lstStyle/>
+          <a:p>
+            <a:fld id="{02F5240D-060A-3E4B-A797-4CE8C69AC4D3}" type="slidenum">
+              <a:rPr lang="en-US" smtClean="0"/>
+              <a:t>5</a:t>
+            </a:fld>
+            <a:endParaRPr lang="en-US"/>
+          </a:p>
+        </p:txBody>
+      </p:sp>
+    </p:spTree>
+    <p:extLst>
+      <p:ext uri="{BB962C8B-B14F-4D97-AF65-F5344CB8AC3E}">
+        <p14:creationId xmlns:p14="http://schemas.microsoft.com/office/powerpoint/2010/main" val="1808473940"/>
+      </p:ext>
+    </p:extLst>
+  </p:cSld>
+  <p:clrMapOvr>
+    <a:masterClrMapping/>
+  </p:clrMapOvr>
+</p:notes>
+</file>
+
+<file path=ppt/notesSlides/notesSlide5.xml><?xml version="1.0" encoding="utf-8"?>
+<p:notes xmlns:a="http://schemas.openxmlformats.org/drawingml/2006/main" xmlns:r="http://schemas.openxmlformats.org/officeDocument/2006/relationships" xmlns:p="http://schemas.openxmlformats.org/presentationml/2006/main">
+  <p:cSld>
+    <p:spTree>
+      <p:nvGrpSpPr>
+        <p:cNvPr id="1" name=""/>
+        <p:cNvGrpSpPr/>
+        <p:nvPr/>
+      </p:nvGrpSpPr>
+      <p:grpSpPr>
+        <a:xfrm>
+          <a:off x="0" y="0"/>
+          <a:ext cx="0" cy="0"/>
+          <a:chOff x="0" y="0"/>
+          <a:chExt cx="0" cy="0"/>
+        </a:xfrm>
+      </p:grpSpPr>
+      <p:sp>
+        <p:nvSpPr>
+          <p:cNvPr id="2" name="Slide Image Placeholder 1"/>
+          <p:cNvSpPr>
+            <a:spLocks noGrp="1" noRot="1" noChangeAspect="1"/>
+          </p:cNvSpPr>
+          <p:nvPr>
+            <p:ph type="sldImg"/>
+          </p:nvPr>
+        </p:nvSpPr>
+        <p:spPr/>
+      </p:sp>
+      <p:sp>
+        <p:nvSpPr>
+          <p:cNvPr id="3" name="Notes Placeholder 2"/>
+          <p:cNvSpPr>
+            <a:spLocks noGrp="1"/>
+          </p:cNvSpPr>
+          <p:nvPr>
+            <p:ph type="body" idx="1"/>
+          </p:nvPr>
+        </p:nvSpPr>
+        <p:spPr/>
+        <p:txBody>
+          <a:bodyPr/>
+          <a:lstStyle/>
+          <a:p>
             <a:pPr marL="171450" indent="-171450">
               <a:buFont typeface="Arial" panose="020B0604020202020204" pitchFamily="34" charset="0"/>
               <a:buChar char="•"/>
@@ -807,7 +1861,7 @@
           <a:p>
             <a:fld id="{02F5240D-060A-3E4B-A797-4CE8C69AC4D3}" type="slidenum">
               <a:rPr lang="en-US" smtClean="0"/>
-              <a:t>3</a:t>
+              <a:t>6</a:t>
             </a:fld>
             <a:endParaRPr lang="en-US"/>
           </a:p>
@@ -826,7 +1880,7 @@
 </p:notes>
 </file>
 
-<file path=ppt/notesSlides/notesSlide2.xml><?xml version="1.0" encoding="utf-8"?>
+<file path=ppt/notesSlides/notesSlide6.xml><?xml version="1.0" encoding="utf-8"?>
 <p:notes xmlns:a="http://schemas.openxmlformats.org/drawingml/2006/main" xmlns:r="http://schemas.openxmlformats.org/officeDocument/2006/relationships" xmlns:p="http://schemas.openxmlformats.org/presentationml/2006/main">
   <p:cSld>
     <p:spTree>
@@ -935,7 +1989,7 @@
           <a:p>
             <a:fld id="{02F5240D-060A-3E4B-A797-4CE8C69AC4D3}" type="slidenum">
               <a:rPr lang="en-US" smtClean="0"/>
-              <a:t>4</a:t>
+              <a:t>7</a:t>
             </a:fld>
             <a:endParaRPr lang="en-US"/>
           </a:p>
@@ -954,7 +2008,7 @@
 </p:notes>
 </file>
 
-<file path=ppt/notesSlides/notesSlide3.xml><?xml version="1.0" encoding="utf-8"?>
+<file path=ppt/notesSlides/notesSlide7.xml><?xml version="1.0" encoding="utf-8"?>
 <p:notes xmlns:a="http://schemas.openxmlformats.org/drawingml/2006/main" xmlns:r="http://schemas.openxmlformats.org/officeDocument/2006/relationships" xmlns:p="http://schemas.openxmlformats.org/presentationml/2006/main">
   <p:cSld>
     <p:spTree>
@@ -1083,7 +2137,7 @@
           <a:p>
             <a:fld id="{02F5240D-060A-3E4B-A797-4CE8C69AC4D3}" type="slidenum">
               <a:rPr lang="en-US" smtClean="0"/>
-              <a:t>5</a:t>
+              <a:t>8</a:t>
             </a:fld>
             <a:endParaRPr lang="en-US"/>
           </a:p>
@@ -1102,7 +2156,7 @@
 </p:notes>
 </file>
 
-<file path=ppt/notesSlides/notesSlide4.xml><?xml version="1.0" encoding="utf-8"?>
+<file path=ppt/notesSlides/notesSlide8.xml><?xml version="1.0" encoding="utf-8"?>
 <p:notes xmlns:a="http://schemas.openxmlformats.org/drawingml/2006/main" xmlns:r="http://schemas.openxmlformats.org/officeDocument/2006/relationships" xmlns:p="http://schemas.openxmlformats.org/presentationml/2006/main">
   <p:cSld>
     <p:spTree>
@@ -1236,7 +2290,7 @@
           <a:p>
             <a:fld id="{02F5240D-060A-3E4B-A797-4CE8C69AC4D3}" type="slidenum">
               <a:rPr lang="en-US" smtClean="0"/>
-              <a:t>6</a:t>
+              <a:t>9</a:t>
             </a:fld>
             <a:endParaRPr lang="en-US"/>
           </a:p>
@@ -1255,7 +2309,7 @@
 </p:notes>
 </file>
 
-<file path=ppt/notesSlides/notesSlide5.xml><?xml version="1.0" encoding="utf-8"?>
+<file path=ppt/notesSlides/notesSlide9.xml><?xml version="1.0" encoding="utf-8"?>
 <p:notes xmlns:a="http://schemas.openxmlformats.org/drawingml/2006/main" xmlns:r="http://schemas.openxmlformats.org/officeDocument/2006/relationships" xmlns:p="http://schemas.openxmlformats.org/presentationml/2006/main">
   <p:cSld>
     <p:spTree>
@@ -1404,7 +2458,7 @@
           <a:p>
             <a:fld id="{02F5240D-060A-3E4B-A797-4CE8C69AC4D3}" type="slidenum">
               <a:rPr lang="en-US" smtClean="0"/>
-              <a:t>7</a:t>
+              <a:t>10</a:t>
             </a:fld>
             <a:endParaRPr lang="en-US"/>
           </a:p>
@@ -1414,131 +2468,6 @@
     <p:extLst>
       <p:ext uri="{BB962C8B-B14F-4D97-AF65-F5344CB8AC3E}">
         <p14:creationId xmlns:p14="http://schemas.microsoft.com/office/powerpoint/2010/main" val="2426800424"/>
-      </p:ext>
-    </p:extLst>
-  </p:cSld>
-  <p:clrMapOvr>
-    <a:masterClrMapping/>
-  </p:clrMapOvr>
-</p:notes>
-</file>
-
-<file path=ppt/notesSlides/notesSlide6.xml><?xml version="1.0" encoding="utf-8"?>
-<p:notes xmlns:a="http://schemas.openxmlformats.org/drawingml/2006/main" xmlns:r="http://schemas.openxmlformats.org/officeDocument/2006/relationships" xmlns:p="http://schemas.openxmlformats.org/presentationml/2006/main">
-  <p:cSld>
-    <p:spTree>
-      <p:nvGrpSpPr>
-        <p:cNvPr id="1" name="">
-          <a:extLst>
-            <a:ext uri="{FF2B5EF4-FFF2-40B4-BE49-F238E27FC236}">
-              <a16:creationId xmlns:a16="http://schemas.microsoft.com/office/drawing/2014/main" id="{909E1FA1-6DF8-CA28-E41E-4B61BCBF58E9}"/>
-            </a:ext>
-          </a:extLst>
-        </p:cNvPr>
-        <p:cNvGrpSpPr/>
-        <p:nvPr/>
-      </p:nvGrpSpPr>
-      <p:grpSpPr>
-        <a:xfrm>
-          <a:off x="0" y="0"/>
-          <a:ext cx="0" cy="0"/>
-          <a:chOff x="0" y="0"/>
-          <a:chExt cx="0" cy="0"/>
-        </a:xfrm>
-      </p:grpSpPr>
-      <p:sp>
-        <p:nvSpPr>
-          <p:cNvPr id="2" name="Slide Image Placeholder 1">
-            <a:extLst>
-              <a:ext uri="{FF2B5EF4-FFF2-40B4-BE49-F238E27FC236}">
-                <a16:creationId xmlns:a16="http://schemas.microsoft.com/office/drawing/2014/main" id="{938B154B-FBF3-295F-7FC0-B09F2506E78A}"/>
-              </a:ext>
-            </a:extLst>
-          </p:cNvPr>
-          <p:cNvSpPr>
-            <a:spLocks noGrp="1" noRot="1" noChangeAspect="1"/>
-          </p:cNvSpPr>
-          <p:nvPr>
-            <p:ph type="sldImg"/>
-          </p:nvPr>
-        </p:nvSpPr>
-        <p:spPr/>
-      </p:sp>
-      <p:sp>
-        <p:nvSpPr>
-          <p:cNvPr id="3" name="Notes Placeholder 2">
-            <a:extLst>
-              <a:ext uri="{FF2B5EF4-FFF2-40B4-BE49-F238E27FC236}">
-                <a16:creationId xmlns:a16="http://schemas.microsoft.com/office/drawing/2014/main" id="{E81E3BD5-CC7A-069A-D95B-D75DFAF62D72}"/>
-              </a:ext>
-            </a:extLst>
-          </p:cNvPr>
-          <p:cNvSpPr>
-            <a:spLocks noGrp="1"/>
-          </p:cNvSpPr>
-          <p:nvPr>
-            <p:ph type="body" idx="1"/>
-          </p:nvPr>
-        </p:nvSpPr>
-        <p:spPr/>
-        <p:txBody>
-          <a:bodyPr/>
-          <a:lstStyle/>
-          <a:p>
-            <a:pPr marL="171450" indent="-171450">
-              <a:buFont typeface="Arial" panose="020B0604020202020204" pitchFamily="34" charset="0"/>
-              <a:buChar char="•"/>
-            </a:pPr>
-            <a:endParaRPr lang="en-US" b="0" i="0" dirty="0">
-              <a:solidFill>
-                <a:srgbClr val="0D0D0D"/>
-              </a:solidFill>
-              <a:effectLst/>
-              <a:latin typeface="Söhne"/>
-            </a:endParaRPr>
-          </a:p>
-          <a:p>
-            <a:pPr marL="171450" indent="-171450">
-              <a:buFont typeface="Arial" panose="020B0604020202020204" pitchFamily="34" charset="0"/>
-              <a:buChar char="•"/>
-            </a:pPr>
-            <a:endParaRPr lang="en-US" dirty="0"/>
-          </a:p>
-        </p:txBody>
-      </p:sp>
-      <p:sp>
-        <p:nvSpPr>
-          <p:cNvPr id="4" name="Slide Number Placeholder 3">
-            <a:extLst>
-              <a:ext uri="{FF2B5EF4-FFF2-40B4-BE49-F238E27FC236}">
-                <a16:creationId xmlns:a16="http://schemas.microsoft.com/office/drawing/2014/main" id="{BE87BFBE-978E-DDED-885B-C103421AB45F}"/>
-              </a:ext>
-            </a:extLst>
-          </p:cNvPr>
-          <p:cNvSpPr>
-            <a:spLocks noGrp="1"/>
-          </p:cNvSpPr>
-          <p:nvPr>
-            <p:ph type="sldNum" sz="quarter" idx="5"/>
-          </p:nvPr>
-        </p:nvSpPr>
-        <p:spPr/>
-        <p:txBody>
-          <a:bodyPr/>
-          <a:lstStyle/>
-          <a:p>
-            <a:fld id="{02F5240D-060A-3E4B-A797-4CE8C69AC4D3}" type="slidenum">
-              <a:rPr lang="en-US" smtClean="0"/>
-              <a:t>8</a:t>
-            </a:fld>
-            <a:endParaRPr lang="en-US"/>
-          </a:p>
-        </p:txBody>
-      </p:sp>
-    </p:spTree>
-    <p:extLst>
-      <p:ext uri="{BB962C8B-B14F-4D97-AF65-F5344CB8AC3E}">
-        <p14:creationId xmlns:p14="http://schemas.microsoft.com/office/powerpoint/2010/main" val="1144628734"/>
       </p:ext>
     </p:extLst>
   </p:cSld>
@@ -1621,7 +2550,7 @@
           <a:p>
             <a:fld id="{8923E60E-3077-9A4D-B784-FBCD6B1A2E3F}" type="datetimeFigureOut">
               <a:rPr lang="en-US" smtClean="0"/>
-              <a:t>2/12/24</a:t>
+              <a:t>10/11/24</a:t>
             </a:fld>
             <a:endParaRPr lang="en-US"/>
           </a:p>
@@ -2297,7 +3226,7 @@
           <a:p>
             <a:fld id="{8923E60E-3077-9A4D-B784-FBCD6B1A2E3F}" type="datetimeFigureOut">
               <a:rPr lang="en-US" smtClean="0"/>
-              <a:t>2/12/24</a:t>
+              <a:t>10/11/24</a:t>
             </a:fld>
             <a:endParaRPr lang="en-US"/>
           </a:p>
@@ -2786,7 +3715,7 @@
           <a:p>
             <a:fld id="{8923E60E-3077-9A4D-B784-FBCD6B1A2E3F}" type="datetimeFigureOut">
               <a:rPr lang="en-US" smtClean="0"/>
-              <a:t>2/12/24</a:t>
+              <a:t>10/11/24</a:t>
             </a:fld>
             <a:endParaRPr lang="en-US"/>
           </a:p>
@@ -3091,7 +4020,7 @@
           <a:p>
             <a:fld id="{8923E60E-3077-9A4D-B784-FBCD6B1A2E3F}" type="datetimeFigureOut">
               <a:rPr lang="en-US" smtClean="0"/>
-              <a:t>2/12/24</a:t>
+              <a:t>10/11/24</a:t>
             </a:fld>
             <a:endParaRPr lang="en-US"/>
           </a:p>
@@ -3514,7 +4443,7 @@
           <a:p>
             <a:fld id="{8923E60E-3077-9A4D-B784-FBCD6B1A2E3F}" type="datetimeFigureOut">
               <a:rPr lang="en-US" smtClean="0"/>
-              <a:t>2/12/24</a:t>
+              <a:t>10/11/24</a:t>
             </a:fld>
             <a:endParaRPr lang="en-US"/>
           </a:p>
@@ -3986,7 +4915,7 @@
           <a:p>
             <a:fld id="{8923E60E-3077-9A4D-B784-FBCD6B1A2E3F}" type="datetimeFigureOut">
               <a:rPr lang="en-US" smtClean="0"/>
-              <a:t>2/12/24</a:t>
+              <a:t>10/11/24</a:t>
             </a:fld>
             <a:endParaRPr lang="en-US"/>
           </a:p>
@@ -4399,7 +5328,7 @@
           <a:p>
             <a:fld id="{8923E60E-3077-9A4D-B784-FBCD6B1A2E3F}" type="datetimeFigureOut">
               <a:rPr lang="en-US" smtClean="0"/>
-              <a:t>2/12/24</a:t>
+              <a:t>10/11/24</a:t>
             </a:fld>
             <a:endParaRPr lang="en-US"/>
           </a:p>
@@ -4885,7 +5814,7 @@
           <a:p>
             <a:fld id="{8923E60E-3077-9A4D-B784-FBCD6B1A2E3F}" type="datetimeFigureOut">
               <a:rPr lang="en-US" smtClean="0"/>
-              <a:t>2/12/24</a:t>
+              <a:t>10/11/24</a:t>
             </a:fld>
             <a:endParaRPr lang="en-US"/>
           </a:p>
@@ -5561,7 +6490,7 @@
           <a:p>
             <a:fld id="{8923E60E-3077-9A4D-B784-FBCD6B1A2E3F}" type="datetimeFigureOut">
               <a:rPr lang="en-US" smtClean="0"/>
-              <a:t>2/12/24</a:t>
+              <a:t>10/11/24</a:t>
             </a:fld>
             <a:endParaRPr lang="en-US"/>
           </a:p>
@@ -5862,7 +6791,7 @@
           <a:p>
             <a:fld id="{8923E60E-3077-9A4D-B784-FBCD6B1A2E3F}" type="datetimeFigureOut">
               <a:rPr lang="en-US" smtClean="0"/>
-              <a:t>2/12/24</a:t>
+              <a:t>10/11/24</a:t>
             </a:fld>
             <a:endParaRPr lang="en-US"/>
           </a:p>
@@ -6131,7 +7060,7 @@
           <a:p>
             <a:fld id="{8923E60E-3077-9A4D-B784-FBCD6B1A2E3F}" type="datetimeFigureOut">
               <a:rPr lang="en-US" smtClean="0"/>
-              <a:t>2/12/24</a:t>
+              <a:t>10/11/24</a:t>
             </a:fld>
             <a:endParaRPr lang="en-US"/>
           </a:p>
@@ -7147,14 +8076,24 @@
             <p:ph type="ctrTitle"/>
           </p:nvPr>
         </p:nvSpPr>
-        <p:spPr/>
-        <p:txBody>
-          <a:bodyPr/>
+        <p:spPr>
+          <a:xfrm>
+            <a:off x="395371" y="718085"/>
+            <a:ext cx="8414997" cy="1493716"/>
+          </a:xfrm>
+        </p:spPr>
+        <p:txBody>
+          <a:bodyPr>
+            <a:normAutofit fontScale="90000"/>
+          </a:bodyPr>
           <a:lstStyle/>
           <a:p>
-            <a:r>
-              <a:rPr lang="en-US" dirty="0"/>
-              <a:t>Risk Analysis of Flowlines</a:t>
+            <a:br>
+              <a:rPr lang="en-US" dirty="0"/>
+            </a:br>
+            <a:r>
+              <a:rPr lang="en-US" dirty="0"/>
+              <a:t>GIS and Machine Learning for Predicting Pipeline Spills</a:t>
             </a:r>
           </a:p>
         </p:txBody>
@@ -7169,25 +8108,42 @@
             <p:ph type="subTitle" idx="1"/>
           </p:nvPr>
         </p:nvSpPr>
-        <p:spPr/>
-        <p:txBody>
-          <a:bodyPr/>
+        <p:spPr>
+          <a:xfrm>
+            <a:off x="395371" y="3737295"/>
+            <a:ext cx="9144000" cy="2402620"/>
+          </a:xfrm>
+        </p:spPr>
+        <p:txBody>
+          <a:bodyPr>
+            <a:normAutofit fontScale="77500" lnSpcReduction="20000"/>
+          </a:bodyPr>
           <a:lstStyle/>
           <a:p>
             <a:r>
-              <a:rPr lang="en-US" dirty="0"/>
-              <a:t>Isabella </a:t>
-            </a:r>
-            <a:r>
-              <a:rPr lang="en-US" dirty="0" err="1"/>
-              <a:t>Chittumuri</a:t>
-            </a:r>
+              <a:rPr lang="en-US" sz="4500" dirty="0"/>
+              <a:t>Isabella Chittumuri</a:t>
+            </a:r>
+          </a:p>
+          <a:p>
+            <a:r>
+              <a:rPr lang="en-US" sz="2800" dirty="0"/>
+              <a:t>Department of Applied Mathematics and Statistics, CSM</a:t>
+            </a:r>
+          </a:p>
+          <a:p>
+            <a:r>
+              <a:rPr lang="en-US" dirty="0"/>
+              <a:t>Qualifying Exam</a:t>
+            </a:r>
+          </a:p>
+          <a:p>
             <a:endParaRPr lang="en-US" dirty="0"/>
           </a:p>
           <a:p>
             <a:r>
               <a:rPr lang="en-US" dirty="0"/>
-              <a:t>February 12, 2024</a:t>
+              <a:t>October 11, 2024</a:t>
             </a:r>
           </a:p>
         </p:txBody>
@@ -7196,6 +8152,253 @@
     <p:extLst>
       <p:ext uri="{BB962C8B-B14F-4D97-AF65-F5344CB8AC3E}">
         <p14:creationId xmlns:p14="http://schemas.microsoft.com/office/powerpoint/2010/main" val="2018888763"/>
+      </p:ext>
+    </p:extLst>
+  </p:cSld>
+  <p:clrMapOvr>
+    <a:masterClrMapping/>
+  </p:clrMapOvr>
+</p:sld>
+</file>
+
+<file path=ppt/slides/slide10.xml><?xml version="1.0" encoding="utf-8"?>
+<p:sld xmlns:a="http://schemas.openxmlformats.org/drawingml/2006/main" xmlns:r="http://schemas.openxmlformats.org/officeDocument/2006/relationships" xmlns:p="http://schemas.openxmlformats.org/presentationml/2006/main">
+  <p:cSld>
+    <p:spTree>
+      <p:nvGrpSpPr>
+        <p:cNvPr id="1" name="">
+          <a:extLst>
+            <a:ext uri="{FF2B5EF4-FFF2-40B4-BE49-F238E27FC236}">
+              <a16:creationId xmlns:a16="http://schemas.microsoft.com/office/drawing/2014/main" id="{15CF6A76-CCD9-34E8-F71A-AEA29B37BB8C}"/>
+            </a:ext>
+          </a:extLst>
+        </p:cNvPr>
+        <p:cNvGrpSpPr/>
+        <p:nvPr/>
+      </p:nvGrpSpPr>
+      <p:grpSpPr>
+        <a:xfrm>
+          <a:off x="0" y="0"/>
+          <a:ext cx="0" cy="0"/>
+          <a:chOff x="0" y="0"/>
+          <a:chExt cx="0" cy="0"/>
+        </a:xfrm>
+      </p:grpSpPr>
+      <p:sp>
+        <p:nvSpPr>
+          <p:cNvPr id="2" name="Title 1">
+            <a:extLst>
+              <a:ext uri="{FF2B5EF4-FFF2-40B4-BE49-F238E27FC236}">
+                <a16:creationId xmlns:a16="http://schemas.microsoft.com/office/drawing/2014/main" id="{F9282056-5695-C627-2FE0-ACAC924F9B5E}"/>
+              </a:ext>
+            </a:extLst>
+          </p:cNvPr>
+          <p:cNvSpPr>
+            <a:spLocks noGrp="1"/>
+          </p:cNvSpPr>
+          <p:nvPr>
+            <p:ph type="title"/>
+          </p:nvPr>
+        </p:nvSpPr>
+        <p:spPr>
+          <a:xfrm>
+            <a:off x="838200" y="216846"/>
+            <a:ext cx="10515600" cy="1325563"/>
+          </a:xfrm>
+        </p:spPr>
+        <p:txBody>
+          <a:bodyPr/>
+          <a:lstStyle/>
+          <a:p>
+            <a:r>
+              <a:rPr lang="en-US" dirty="0"/>
+              <a:t>Progress Made</a:t>
+            </a:r>
+          </a:p>
+        </p:txBody>
+      </p:sp>
+      <p:sp>
+        <p:nvSpPr>
+          <p:cNvPr id="4" name="Content Placeholder 3">
+            <a:extLst>
+              <a:ext uri="{FF2B5EF4-FFF2-40B4-BE49-F238E27FC236}">
+                <a16:creationId xmlns:a16="http://schemas.microsoft.com/office/drawing/2014/main" id="{64C92C83-CD5E-4F4E-29C8-9F7845256AAE}"/>
+              </a:ext>
+            </a:extLst>
+          </p:cNvPr>
+          <p:cNvSpPr>
+            <a:spLocks noGrp="1"/>
+          </p:cNvSpPr>
+          <p:nvPr>
+            <p:ph idx="1"/>
+          </p:nvPr>
+        </p:nvSpPr>
+        <p:spPr>
+          <a:xfrm>
+            <a:off x="838200" y="1542409"/>
+            <a:ext cx="10515600" cy="4351338"/>
+          </a:xfrm>
+        </p:spPr>
+        <p:txBody>
+          <a:bodyPr>
+            <a:normAutofit/>
+          </a:bodyPr>
+          <a:lstStyle/>
+          <a:p>
+            <a:endParaRPr lang="en-US" dirty="0"/>
+          </a:p>
+          <a:p>
+            <a:endParaRPr lang="en-US" dirty="0"/>
+          </a:p>
+        </p:txBody>
+      </p:sp>
+      <p:pic>
+        <p:nvPicPr>
+          <p:cNvPr id="5" name="Picture 4" descr="A screenshot of a computer screen&#10;&#10;Description automatically generated">
+            <a:extLst>
+              <a:ext uri="{FF2B5EF4-FFF2-40B4-BE49-F238E27FC236}">
+                <a16:creationId xmlns:a16="http://schemas.microsoft.com/office/drawing/2014/main" id="{07053E2B-1577-F871-A0CF-CD064DAE833A}"/>
+              </a:ext>
+            </a:extLst>
+          </p:cNvPr>
+          <p:cNvPicPr>
+            <a:picLocks noChangeAspect="1"/>
+          </p:cNvPicPr>
+          <p:nvPr/>
+        </p:nvPicPr>
+        <p:blipFill>
+          <a:blip r:embed="rId3"/>
+          <a:stretch>
+            <a:fillRect/>
+          </a:stretch>
+        </p:blipFill>
+        <p:spPr>
+          <a:xfrm>
+            <a:off x="838200" y="0"/>
+            <a:ext cx="10515600" cy="6423357"/>
+          </a:xfrm>
+          <a:prstGeom prst="rect">
+            <a:avLst/>
+          </a:prstGeom>
+        </p:spPr>
+      </p:pic>
+    </p:spTree>
+    <p:extLst>
+      <p:ext uri="{BB962C8B-B14F-4D97-AF65-F5344CB8AC3E}">
+        <p14:creationId xmlns:p14="http://schemas.microsoft.com/office/powerpoint/2010/main" val="3499948367"/>
+      </p:ext>
+    </p:extLst>
+  </p:cSld>
+  <p:clrMapOvr>
+    <a:masterClrMapping/>
+  </p:clrMapOvr>
+</p:sld>
+</file>
+
+<file path=ppt/slides/slide11.xml><?xml version="1.0" encoding="utf-8"?>
+<p:sld xmlns:a="http://schemas.openxmlformats.org/drawingml/2006/main" xmlns:r="http://schemas.openxmlformats.org/officeDocument/2006/relationships" xmlns:p="http://schemas.openxmlformats.org/presentationml/2006/main">
+  <p:cSld>
+    <p:spTree>
+      <p:nvGrpSpPr>
+        <p:cNvPr id="1" name="">
+          <a:extLst>
+            <a:ext uri="{FF2B5EF4-FFF2-40B4-BE49-F238E27FC236}">
+              <a16:creationId xmlns:a16="http://schemas.microsoft.com/office/drawing/2014/main" id="{6B03A4E0-C801-1A07-22EA-8E6C177FB25E}"/>
+            </a:ext>
+          </a:extLst>
+        </p:cNvPr>
+        <p:cNvGrpSpPr/>
+        <p:nvPr/>
+      </p:nvGrpSpPr>
+      <p:grpSpPr>
+        <a:xfrm>
+          <a:off x="0" y="0"/>
+          <a:ext cx="0" cy="0"/>
+          <a:chOff x="0" y="0"/>
+          <a:chExt cx="0" cy="0"/>
+        </a:xfrm>
+      </p:grpSpPr>
+      <p:sp>
+        <p:nvSpPr>
+          <p:cNvPr id="2" name="Title 1">
+            <a:extLst>
+              <a:ext uri="{FF2B5EF4-FFF2-40B4-BE49-F238E27FC236}">
+                <a16:creationId xmlns:a16="http://schemas.microsoft.com/office/drawing/2014/main" id="{1D5F4E1F-9ACA-8DB0-300C-8440AE4C7D34}"/>
+              </a:ext>
+            </a:extLst>
+          </p:cNvPr>
+          <p:cNvSpPr>
+            <a:spLocks noGrp="1"/>
+          </p:cNvSpPr>
+          <p:nvPr>
+            <p:ph type="title"/>
+          </p:nvPr>
+        </p:nvSpPr>
+        <p:spPr>
+          <a:xfrm>
+            <a:off x="838200" y="216846"/>
+            <a:ext cx="10515600" cy="1325563"/>
+          </a:xfrm>
+        </p:spPr>
+        <p:txBody>
+          <a:bodyPr/>
+          <a:lstStyle/>
+          <a:p>
+            <a:r>
+              <a:rPr lang="en-US" dirty="0"/>
+              <a:t>Future Work</a:t>
+            </a:r>
+          </a:p>
+        </p:txBody>
+      </p:sp>
+      <p:sp>
+        <p:nvSpPr>
+          <p:cNvPr id="4" name="Content Placeholder 3">
+            <a:extLst>
+              <a:ext uri="{FF2B5EF4-FFF2-40B4-BE49-F238E27FC236}">
+                <a16:creationId xmlns:a16="http://schemas.microsoft.com/office/drawing/2014/main" id="{4C85A553-13A9-FCFB-C4A5-1501813A07B5}"/>
+              </a:ext>
+            </a:extLst>
+          </p:cNvPr>
+          <p:cNvSpPr>
+            <a:spLocks noGrp="1"/>
+          </p:cNvSpPr>
+          <p:nvPr>
+            <p:ph idx="1"/>
+          </p:nvPr>
+        </p:nvSpPr>
+        <p:spPr>
+          <a:xfrm>
+            <a:off x="838200" y="1542409"/>
+            <a:ext cx="10515600" cy="4351338"/>
+          </a:xfrm>
+        </p:spPr>
+        <p:txBody>
+          <a:bodyPr>
+            <a:normAutofit/>
+          </a:bodyPr>
+          <a:lstStyle/>
+          <a:p>
+            <a:r>
+              <a:rPr lang="en-US" dirty="0"/>
+              <a:t>START MODELING (finally)</a:t>
+            </a:r>
+          </a:p>
+          <a:p>
+            <a:r>
+              <a:rPr lang="en-US" dirty="0"/>
+              <a:t>Methodology: Logistic Regression, Support Vector Machine (SVM), K Nearest Neighbors (K-NN), Gradient Boosting Decision Trees, AdaBoost, Random Forests</a:t>
+            </a:r>
+          </a:p>
+          <a:p>
+            <a:endParaRPr lang="en-US" dirty="0"/>
+          </a:p>
+        </p:txBody>
+      </p:sp>
+    </p:spTree>
+    <p:extLst>
+      <p:ext uri="{BB962C8B-B14F-4D97-AF65-F5344CB8AC3E}">
+        <p14:creationId xmlns:p14="http://schemas.microsoft.com/office/powerpoint/2010/main" val="775144813"/>
       </p:ext>
     </p:extLst>
   </p:cSld>
@@ -7276,44 +8479,43 @@
             </a:pPr>
             <a:r>
               <a:rPr lang="en-US" dirty="0"/>
-              <a:t>Background</a:t>
+              <a:t>Overview</a:t>
             </a:r>
           </a:p>
           <a:p>
             <a:pPr marL="514350" indent="-514350">
+              <a:buFont typeface="Arial"/>
               <a:buAutoNum type="arabicPeriod"/>
             </a:pPr>
             <a:r>
               <a:rPr lang="en-US" dirty="0"/>
-              <a:t>Partner</a:t>
+              <a:t>The Problem</a:t>
             </a:r>
           </a:p>
           <a:p>
             <a:pPr marL="514350" indent="-514350">
+              <a:buFont typeface="Arial"/>
               <a:buAutoNum type="arabicPeriod"/>
             </a:pPr>
             <a:r>
               <a:rPr lang="en-US" dirty="0"/>
-              <a:t>Research Goals</a:t>
+              <a:t>Industry</a:t>
             </a:r>
           </a:p>
           <a:p>
             <a:pPr marL="514350" indent="-514350">
+              <a:buFont typeface="Arial"/>
               <a:buAutoNum type="arabicPeriod"/>
             </a:pPr>
             <a:r>
               <a:rPr lang="en-US" dirty="0"/>
-              <a:t>Progress Made</a:t>
-            </a:r>
-          </a:p>
-          <a:p>
-            <a:pPr marL="514350" indent="-514350">
-              <a:buAutoNum type="arabicPeriod"/>
-            </a:pPr>
-            <a:r>
-              <a:rPr lang="en-US" dirty="0"/>
-              <a:t>Future Work</a:t>
-            </a:r>
+              <a:t>Conclusion</a:t>
+            </a:r>
+            <a:endParaRPr lang="en-US" dirty="0">
+              <a:solidFill>
+                <a:schemeClr val="dk1"/>
+              </a:solidFill>
+            </a:endParaRPr>
           </a:p>
         </p:txBody>
       </p:sp>
@@ -7349,6 +8551,631 @@
       </p:grpSpPr>
       <p:sp>
         <p:nvSpPr>
+          <p:cNvPr id="2" name="Title 1">
+            <a:extLst>
+              <a:ext uri="{FF2B5EF4-FFF2-40B4-BE49-F238E27FC236}">
+                <a16:creationId xmlns:a16="http://schemas.microsoft.com/office/drawing/2014/main" id="{6E4D461A-BA11-66C2-FEB7-72E183D8EF7A}"/>
+              </a:ext>
+            </a:extLst>
+          </p:cNvPr>
+          <p:cNvSpPr>
+            <a:spLocks noGrp="1"/>
+          </p:cNvSpPr>
+          <p:nvPr>
+            <p:ph type="title"/>
+          </p:nvPr>
+        </p:nvSpPr>
+        <p:spPr/>
+        <p:txBody>
+          <a:bodyPr/>
+          <a:lstStyle/>
+          <a:p>
+            <a:r>
+              <a:rPr lang="en-US" dirty="0"/>
+              <a:t>Overview: Definitions</a:t>
+            </a:r>
+          </a:p>
+        </p:txBody>
+      </p:sp>
+      <p:sp>
+        <p:nvSpPr>
+          <p:cNvPr id="3" name="Content Placeholder 2">
+            <a:extLst>
+              <a:ext uri="{FF2B5EF4-FFF2-40B4-BE49-F238E27FC236}">
+                <a16:creationId xmlns:a16="http://schemas.microsoft.com/office/drawing/2014/main" id="{051604FD-06C7-1B98-1E76-219D26E0F8AB}"/>
+              </a:ext>
+            </a:extLst>
+          </p:cNvPr>
+          <p:cNvSpPr>
+            <a:spLocks noGrp="1"/>
+          </p:cNvSpPr>
+          <p:nvPr>
+            <p:ph idx="1"/>
+          </p:nvPr>
+        </p:nvSpPr>
+        <p:spPr>
+          <a:xfrm>
+            <a:off x="838200" y="1442565"/>
+            <a:ext cx="3017108" cy="4351338"/>
+          </a:xfrm>
+        </p:spPr>
+        <p:txBody>
+          <a:bodyPr/>
+          <a:lstStyle/>
+          <a:p>
+            <a:pPr marL="0" indent="0">
+              <a:buNone/>
+            </a:pPr>
+            <a:endParaRPr lang="en-US" dirty="0"/>
+          </a:p>
+          <a:p>
+            <a:pPr marL="0" indent="0"/>
+            <a:r>
+              <a:rPr lang="en-US" dirty="0"/>
+              <a:t>Geographic Information System (GIS)</a:t>
+            </a:r>
+          </a:p>
+          <a:p>
+            <a:pPr marL="0" indent="0"/>
+            <a:r>
+              <a:rPr lang="en-US" dirty="0"/>
+              <a:t> </a:t>
+            </a:r>
+            <a:r>
+              <a:rPr lang="en-US" dirty="0" err="1"/>
+              <a:t>GeoDataFrame</a:t>
+            </a:r>
+            <a:endParaRPr lang="en-US" dirty="0"/>
+          </a:p>
+          <a:p>
+            <a:pPr marL="0" indent="0"/>
+            <a:endParaRPr lang="en-US" dirty="0"/>
+          </a:p>
+          <a:p>
+            <a:endParaRPr lang="en-US" dirty="0"/>
+          </a:p>
+          <a:p>
+            <a:endParaRPr lang="en-US" dirty="0"/>
+          </a:p>
+        </p:txBody>
+      </p:sp>
+      <p:pic>
+        <p:nvPicPr>
+          <p:cNvPr id="4" name="Picture 3" descr="A diagram of a graph&#10;&#10;Description automatically generated">
+            <a:extLst>
+              <a:ext uri="{FF2B5EF4-FFF2-40B4-BE49-F238E27FC236}">
+                <a16:creationId xmlns:a16="http://schemas.microsoft.com/office/drawing/2014/main" id="{B19B73F8-B958-FC0F-13AD-56F0CFC3EE79}"/>
+              </a:ext>
+            </a:extLst>
+          </p:cNvPr>
+          <p:cNvPicPr>
+            <a:picLocks noChangeAspect="1"/>
+          </p:cNvPicPr>
+          <p:nvPr/>
+        </p:nvPicPr>
+        <p:blipFill>
+          <a:blip r:embed="rId3"/>
+          <a:srcRect b="7168"/>
+          <a:stretch/>
+        </p:blipFill>
+        <p:spPr>
+          <a:xfrm>
+            <a:off x="4610100" y="1354909"/>
+            <a:ext cx="6743700" cy="4774775"/>
+          </a:xfrm>
+          <a:prstGeom prst="rect">
+            <a:avLst/>
+          </a:prstGeom>
+        </p:spPr>
+      </p:pic>
+    </p:spTree>
+    <p:extLst>
+      <p:ext uri="{BB962C8B-B14F-4D97-AF65-F5344CB8AC3E}">
+        <p14:creationId xmlns:p14="http://schemas.microsoft.com/office/powerpoint/2010/main" val="1819392799"/>
+      </p:ext>
+    </p:extLst>
+  </p:cSld>
+  <p:clrMapOvr>
+    <a:masterClrMapping/>
+  </p:clrMapOvr>
+</p:sld>
+</file>
+
+<file path=ppt/slides/slide4.xml><?xml version="1.0" encoding="utf-8"?>
+<p:sld xmlns:a="http://schemas.openxmlformats.org/drawingml/2006/main" xmlns:r="http://schemas.openxmlformats.org/officeDocument/2006/relationships" xmlns:p="http://schemas.openxmlformats.org/presentationml/2006/main">
+  <p:cSld>
+    <p:spTree>
+      <p:nvGrpSpPr>
+        <p:cNvPr id="1" name=""/>
+        <p:cNvGrpSpPr/>
+        <p:nvPr/>
+      </p:nvGrpSpPr>
+      <p:grpSpPr>
+        <a:xfrm>
+          <a:off x="0" y="0"/>
+          <a:ext cx="0" cy="0"/>
+          <a:chOff x="0" y="0"/>
+          <a:chExt cx="0" cy="0"/>
+        </a:xfrm>
+      </p:grpSpPr>
+      <p:sp>
+        <p:nvSpPr>
+          <p:cNvPr id="2" name="Title 1">
+            <a:extLst>
+              <a:ext uri="{FF2B5EF4-FFF2-40B4-BE49-F238E27FC236}">
+                <a16:creationId xmlns:a16="http://schemas.microsoft.com/office/drawing/2014/main" id="{D1C0C059-92D4-F78D-A0E1-2998D735986C}"/>
+              </a:ext>
+            </a:extLst>
+          </p:cNvPr>
+          <p:cNvSpPr>
+            <a:spLocks noGrp="1"/>
+          </p:cNvSpPr>
+          <p:nvPr>
+            <p:ph type="title"/>
+          </p:nvPr>
+        </p:nvSpPr>
+        <p:spPr/>
+        <p:txBody>
+          <a:bodyPr/>
+          <a:lstStyle/>
+          <a:p>
+            <a:r>
+              <a:rPr lang="en-US" dirty="0"/>
+              <a:t>Overview: GIS/ML Compatibility </a:t>
+            </a:r>
+          </a:p>
+        </p:txBody>
+      </p:sp>
+      <p:sp>
+        <p:nvSpPr>
+          <p:cNvPr id="3" name="Content Placeholder 2">
+            <a:extLst>
+              <a:ext uri="{FF2B5EF4-FFF2-40B4-BE49-F238E27FC236}">
+                <a16:creationId xmlns:a16="http://schemas.microsoft.com/office/drawing/2014/main" id="{0D6377CA-B2AE-DCF4-D63D-D8323269883F}"/>
+              </a:ext>
+            </a:extLst>
+          </p:cNvPr>
+          <p:cNvSpPr>
+            <a:spLocks noGrp="1"/>
+          </p:cNvSpPr>
+          <p:nvPr>
+            <p:ph idx="1"/>
+          </p:nvPr>
+        </p:nvSpPr>
+        <p:spPr>
+          <a:xfrm>
+            <a:off x="838200" y="1825625"/>
+            <a:ext cx="4672914" cy="4351338"/>
+          </a:xfrm>
+        </p:spPr>
+        <p:txBody>
+          <a:bodyPr/>
+          <a:lstStyle/>
+          <a:p>
+            <a:r>
+              <a:rPr lang="en-US" dirty="0"/>
+              <a:t>Raster Data Grid Structure</a:t>
+            </a:r>
+          </a:p>
+          <a:p>
+            <a:endParaRPr lang="en-US" dirty="0"/>
+          </a:p>
+        </p:txBody>
+      </p:sp>
+      <p:pic>
+        <p:nvPicPr>
+          <p:cNvPr id="4" name="Picture 3" descr="A diagram of a number of numbers&#10;&#10;Description automatically generated with medium confidence">
+            <a:extLst>
+              <a:ext uri="{FF2B5EF4-FFF2-40B4-BE49-F238E27FC236}">
+                <a16:creationId xmlns:a16="http://schemas.microsoft.com/office/drawing/2014/main" id="{54274D06-A175-620C-5102-DBAD8FFE24B8}"/>
+              </a:ext>
+            </a:extLst>
+          </p:cNvPr>
+          <p:cNvPicPr>
+            <a:picLocks noChangeAspect="1"/>
+          </p:cNvPicPr>
+          <p:nvPr/>
+        </p:nvPicPr>
+        <p:blipFill>
+          <a:blip r:embed="rId3"/>
+          <a:stretch>
+            <a:fillRect/>
+          </a:stretch>
+        </p:blipFill>
+        <p:spPr>
+          <a:xfrm>
+            <a:off x="838200" y="2678155"/>
+            <a:ext cx="4220853" cy="2463800"/>
+          </a:xfrm>
+          <a:prstGeom prst="rect">
+            <a:avLst/>
+          </a:prstGeom>
+        </p:spPr>
+      </p:pic>
+      <p:sp>
+        <p:nvSpPr>
+          <p:cNvPr id="5" name="Content Placeholder 2">
+            <a:extLst>
+              <a:ext uri="{FF2B5EF4-FFF2-40B4-BE49-F238E27FC236}">
+                <a16:creationId xmlns:a16="http://schemas.microsoft.com/office/drawing/2014/main" id="{DC148AD2-721B-0518-D084-ACB20938EB98}"/>
+              </a:ext>
+            </a:extLst>
+          </p:cNvPr>
+          <p:cNvSpPr txBox="1">
+            <a:spLocks/>
+          </p:cNvSpPr>
+          <p:nvPr/>
+        </p:nvSpPr>
+        <p:spPr>
+          <a:xfrm>
+            <a:off x="6096000" y="1825625"/>
+            <a:ext cx="4672914" cy="4351338"/>
+          </a:xfrm>
+          <a:prstGeom prst="rect">
+            <a:avLst/>
+          </a:prstGeom>
+        </p:spPr>
+        <p:txBody>
+          <a:bodyPr vert="horz" lIns="91440" tIns="45720" rIns="91440" bIns="45720" rtlCol="0">
+            <a:normAutofit/>
+          </a:bodyPr>
+          <a:lstStyle>
+            <a:lvl1pPr marL="228594" indent="-228594" algn="l" defTabSz="914377" rtl="0" eaLnBrk="1" latinLnBrk="0" hangingPunct="1">
+              <a:lnSpc>
+                <a:spcPct val="110000"/>
+              </a:lnSpc>
+              <a:spcBef>
+                <a:spcPts val="1000"/>
+              </a:spcBef>
+              <a:buFont typeface="Arial"/>
+              <a:buChar char="•"/>
+              <a:defRPr sz="2800" b="0" i="0" kern="1200">
+                <a:solidFill>
+                  <a:schemeClr val="tx1"/>
+                </a:solidFill>
+                <a:latin typeface="Arial" panose="020B0604020202020204" pitchFamily="34" charset="0"/>
+                <a:ea typeface="Arial" panose="020B0604020202020204" pitchFamily="34" charset="0"/>
+                <a:cs typeface="Arial" panose="020B0604020202020204" pitchFamily="34" charset="0"/>
+              </a:defRPr>
+            </a:lvl1pPr>
+            <a:lvl2pPr marL="685783" indent="-228594" algn="l" defTabSz="914377" rtl="0" eaLnBrk="1" latinLnBrk="0" hangingPunct="1">
+              <a:lnSpc>
+                <a:spcPct val="110000"/>
+              </a:lnSpc>
+              <a:spcBef>
+                <a:spcPts val="1000"/>
+              </a:spcBef>
+              <a:buFont typeface="Arial"/>
+              <a:buChar char="•"/>
+              <a:defRPr sz="2400" b="0" i="0" kern="1200">
+                <a:solidFill>
+                  <a:schemeClr val="tx1"/>
+                </a:solidFill>
+                <a:latin typeface="Arial" panose="020B0604020202020204" pitchFamily="34" charset="0"/>
+                <a:ea typeface="Arial" panose="020B0604020202020204" pitchFamily="34" charset="0"/>
+                <a:cs typeface="Arial" panose="020B0604020202020204" pitchFamily="34" charset="0"/>
+              </a:defRPr>
+            </a:lvl2pPr>
+            <a:lvl3pPr marL="1142971" indent="-228594" algn="l" defTabSz="914377" rtl="0" eaLnBrk="1" latinLnBrk="0" hangingPunct="1">
+              <a:lnSpc>
+                <a:spcPct val="110000"/>
+              </a:lnSpc>
+              <a:spcBef>
+                <a:spcPts val="1000"/>
+              </a:spcBef>
+              <a:buFont typeface="Arial"/>
+              <a:buChar char="•"/>
+              <a:defRPr sz="2000" b="0" i="0" kern="1200">
+                <a:solidFill>
+                  <a:schemeClr val="tx1"/>
+                </a:solidFill>
+                <a:latin typeface="Arial" panose="020B0604020202020204" pitchFamily="34" charset="0"/>
+                <a:ea typeface="Arial" panose="020B0604020202020204" pitchFamily="34" charset="0"/>
+                <a:cs typeface="Arial" panose="020B0604020202020204" pitchFamily="34" charset="0"/>
+              </a:defRPr>
+            </a:lvl3pPr>
+            <a:lvl4pPr marL="1600160" indent="-228594" algn="l" defTabSz="914377" rtl="0" eaLnBrk="1" latinLnBrk="0" hangingPunct="1">
+              <a:lnSpc>
+                <a:spcPct val="110000"/>
+              </a:lnSpc>
+              <a:spcBef>
+                <a:spcPts val="1000"/>
+              </a:spcBef>
+              <a:buFont typeface="Arial"/>
+              <a:buChar char="•"/>
+              <a:defRPr sz="1800" b="0" i="0" kern="1200">
+                <a:solidFill>
+                  <a:schemeClr val="tx1"/>
+                </a:solidFill>
+                <a:latin typeface="Arial" panose="020B0604020202020204" pitchFamily="34" charset="0"/>
+                <a:ea typeface="Arial" panose="020B0604020202020204" pitchFamily="34" charset="0"/>
+                <a:cs typeface="Arial" panose="020B0604020202020204" pitchFamily="34" charset="0"/>
+              </a:defRPr>
+            </a:lvl4pPr>
+            <a:lvl5pPr marL="2057349" indent="-228594" algn="l" defTabSz="914377" rtl="0" eaLnBrk="1" latinLnBrk="0" hangingPunct="1">
+              <a:lnSpc>
+                <a:spcPct val="110000"/>
+              </a:lnSpc>
+              <a:spcBef>
+                <a:spcPts val="1000"/>
+              </a:spcBef>
+              <a:buFont typeface="Arial"/>
+              <a:buChar char="•"/>
+              <a:defRPr sz="1800" b="0" i="0" kern="1200">
+                <a:solidFill>
+                  <a:schemeClr val="tx1"/>
+                </a:solidFill>
+                <a:latin typeface="Arial" panose="020B0604020202020204" pitchFamily="34" charset="0"/>
+                <a:ea typeface="Arial" panose="020B0604020202020204" pitchFamily="34" charset="0"/>
+                <a:cs typeface="Arial" panose="020B0604020202020204" pitchFamily="34" charset="0"/>
+              </a:defRPr>
+            </a:lvl5pPr>
+            <a:lvl6pPr marL="2514537" indent="-228594" algn="l" defTabSz="914377" rtl="0" eaLnBrk="1" latinLnBrk="0" hangingPunct="1">
+              <a:lnSpc>
+                <a:spcPct val="90000"/>
+              </a:lnSpc>
+              <a:spcBef>
+                <a:spcPts val="500"/>
+              </a:spcBef>
+              <a:buFont typeface="Arial"/>
+              <a:buChar char="•"/>
+              <a:defRPr sz="1800" kern="1200">
+                <a:solidFill>
+                  <a:schemeClr val="tx1"/>
+                </a:solidFill>
+                <a:latin typeface="+mn-lt"/>
+                <a:ea typeface="+mn-ea"/>
+                <a:cs typeface="+mn-cs"/>
+              </a:defRPr>
+            </a:lvl6pPr>
+            <a:lvl7pPr marL="2971726" indent="-228594" algn="l" defTabSz="914377" rtl="0" eaLnBrk="1" latinLnBrk="0" hangingPunct="1">
+              <a:lnSpc>
+                <a:spcPct val="90000"/>
+              </a:lnSpc>
+              <a:spcBef>
+                <a:spcPts val="500"/>
+              </a:spcBef>
+              <a:buFont typeface="Arial"/>
+              <a:buChar char="•"/>
+              <a:defRPr sz="1800" kern="1200">
+                <a:solidFill>
+                  <a:schemeClr val="tx1"/>
+                </a:solidFill>
+                <a:latin typeface="+mn-lt"/>
+                <a:ea typeface="+mn-ea"/>
+                <a:cs typeface="+mn-cs"/>
+              </a:defRPr>
+            </a:lvl7pPr>
+            <a:lvl8pPr marL="3428914" indent="-228594" algn="l" defTabSz="914377" rtl="0" eaLnBrk="1" latinLnBrk="0" hangingPunct="1">
+              <a:lnSpc>
+                <a:spcPct val="90000"/>
+              </a:lnSpc>
+              <a:spcBef>
+                <a:spcPts val="500"/>
+              </a:spcBef>
+              <a:buFont typeface="Arial"/>
+              <a:buChar char="•"/>
+              <a:defRPr sz="1800" kern="1200">
+                <a:solidFill>
+                  <a:schemeClr val="tx1"/>
+                </a:solidFill>
+                <a:latin typeface="+mn-lt"/>
+                <a:ea typeface="+mn-ea"/>
+                <a:cs typeface="+mn-cs"/>
+              </a:defRPr>
+            </a:lvl8pPr>
+            <a:lvl9pPr marL="3886103" indent="-228594" algn="l" defTabSz="914377" rtl="0" eaLnBrk="1" latinLnBrk="0" hangingPunct="1">
+              <a:lnSpc>
+                <a:spcPct val="90000"/>
+              </a:lnSpc>
+              <a:spcBef>
+                <a:spcPts val="500"/>
+              </a:spcBef>
+              <a:buFont typeface="Arial"/>
+              <a:buChar char="•"/>
+              <a:defRPr sz="1800" kern="1200">
+                <a:solidFill>
+                  <a:schemeClr val="tx1"/>
+                </a:solidFill>
+                <a:latin typeface="+mn-lt"/>
+                <a:ea typeface="+mn-ea"/>
+                <a:cs typeface="+mn-cs"/>
+              </a:defRPr>
+            </a:lvl9pPr>
+          </a:lstStyle>
+          <a:p>
+            <a:r>
+              <a:rPr lang="en-US" dirty="0"/>
+              <a:t>Convolutional Operation</a:t>
+            </a:r>
+          </a:p>
+        </p:txBody>
+      </p:sp>
+      <p:pic>
+        <p:nvPicPr>
+          <p:cNvPr id="9" name="Picture 8" descr="A math equation with black text&#10;&#10;Description automatically generated">
+            <a:extLst>
+              <a:ext uri="{FF2B5EF4-FFF2-40B4-BE49-F238E27FC236}">
+                <a16:creationId xmlns:a16="http://schemas.microsoft.com/office/drawing/2014/main" id="{FAA807F8-E812-E219-0A78-FA7444406299}"/>
+              </a:ext>
+            </a:extLst>
+          </p:cNvPr>
+          <p:cNvPicPr>
+            <a:picLocks noChangeAspect="1"/>
+          </p:cNvPicPr>
+          <p:nvPr/>
+        </p:nvPicPr>
+        <p:blipFill>
+          <a:blip r:embed="rId4"/>
+          <a:stretch>
+            <a:fillRect/>
+          </a:stretch>
+        </p:blipFill>
+        <p:spPr>
+          <a:xfrm>
+            <a:off x="6096000" y="3569494"/>
+            <a:ext cx="5359400" cy="863600"/>
+          </a:xfrm>
+          <a:prstGeom prst="rect">
+            <a:avLst/>
+          </a:prstGeom>
+        </p:spPr>
+      </p:pic>
+    </p:spTree>
+    <p:extLst>
+      <p:ext uri="{BB962C8B-B14F-4D97-AF65-F5344CB8AC3E}">
+        <p14:creationId xmlns:p14="http://schemas.microsoft.com/office/powerpoint/2010/main" val="2605394420"/>
+      </p:ext>
+    </p:extLst>
+  </p:cSld>
+  <p:clrMapOvr>
+    <a:masterClrMapping/>
+  </p:clrMapOvr>
+</p:sld>
+</file>
+
+<file path=ppt/slides/slide5.xml><?xml version="1.0" encoding="utf-8"?>
+<p:sld xmlns:a="http://schemas.openxmlformats.org/drawingml/2006/main" xmlns:r="http://schemas.openxmlformats.org/officeDocument/2006/relationships" xmlns:p="http://schemas.openxmlformats.org/presentationml/2006/main">
+  <p:cSld>
+    <p:spTree>
+      <p:nvGrpSpPr>
+        <p:cNvPr id="1" name=""/>
+        <p:cNvGrpSpPr/>
+        <p:nvPr/>
+      </p:nvGrpSpPr>
+      <p:grpSpPr>
+        <a:xfrm>
+          <a:off x="0" y="0"/>
+          <a:ext cx="0" cy="0"/>
+          <a:chOff x="0" y="0"/>
+          <a:chExt cx="0" cy="0"/>
+        </a:xfrm>
+      </p:grpSpPr>
+      <p:sp>
+        <p:nvSpPr>
+          <p:cNvPr id="2" name="Title 1">
+            <a:extLst>
+              <a:ext uri="{FF2B5EF4-FFF2-40B4-BE49-F238E27FC236}">
+                <a16:creationId xmlns:a16="http://schemas.microsoft.com/office/drawing/2014/main" id="{6740EEDD-8691-C93D-421F-D799E80F2DAC}"/>
+              </a:ext>
+            </a:extLst>
+          </p:cNvPr>
+          <p:cNvSpPr>
+            <a:spLocks noGrp="1"/>
+          </p:cNvSpPr>
+          <p:nvPr>
+            <p:ph type="title"/>
+          </p:nvPr>
+        </p:nvSpPr>
+        <p:spPr/>
+        <p:txBody>
+          <a:bodyPr/>
+          <a:lstStyle/>
+          <a:p>
+            <a:r>
+              <a:rPr lang="en-US" dirty="0"/>
+              <a:t>The Problem</a:t>
+            </a:r>
+          </a:p>
+        </p:txBody>
+      </p:sp>
+      <p:sp>
+        <p:nvSpPr>
+          <p:cNvPr id="3" name="Content Placeholder 2">
+            <a:extLst>
+              <a:ext uri="{FF2B5EF4-FFF2-40B4-BE49-F238E27FC236}">
+                <a16:creationId xmlns:a16="http://schemas.microsoft.com/office/drawing/2014/main" id="{53E921C9-05DE-C84C-DDDE-8240722CBD48}"/>
+              </a:ext>
+            </a:extLst>
+          </p:cNvPr>
+          <p:cNvSpPr>
+            <a:spLocks noGrp="1"/>
+          </p:cNvSpPr>
+          <p:nvPr>
+            <p:ph idx="1"/>
+          </p:nvPr>
+        </p:nvSpPr>
+        <p:spPr/>
+        <p:txBody>
+          <a:bodyPr/>
+          <a:lstStyle/>
+          <a:p>
+            <a:r>
+              <a:rPr lang="en-US" dirty="0"/>
+              <a:t>Vector Data: Irregular Geometries</a:t>
+            </a:r>
+          </a:p>
+          <a:p>
+            <a:pPr lvl="1"/>
+            <a:r>
+              <a:rPr lang="en-US" dirty="0"/>
+              <a:t>e.g. Line data as a series of points</a:t>
+            </a:r>
+          </a:p>
+        </p:txBody>
+      </p:sp>
+      <p:pic>
+        <p:nvPicPr>
+          <p:cNvPr id="5" name="Picture 4">
+            <a:extLst>
+              <a:ext uri="{FF2B5EF4-FFF2-40B4-BE49-F238E27FC236}">
+                <a16:creationId xmlns:a16="http://schemas.microsoft.com/office/drawing/2014/main" id="{EF2AA1A9-47BF-D849-BC0D-1FEBB790358C}"/>
+              </a:ext>
+            </a:extLst>
+          </p:cNvPr>
+          <p:cNvPicPr>
+            <a:picLocks noChangeAspect="1"/>
+          </p:cNvPicPr>
+          <p:nvPr/>
+        </p:nvPicPr>
+        <p:blipFill>
+          <a:blip r:embed="rId3"/>
+          <a:stretch>
+            <a:fillRect/>
+          </a:stretch>
+        </p:blipFill>
+        <p:spPr>
+          <a:xfrm>
+            <a:off x="1942697" y="2965450"/>
+            <a:ext cx="5549900" cy="927100"/>
+          </a:xfrm>
+          <a:prstGeom prst="rect">
+            <a:avLst/>
+          </a:prstGeom>
+        </p:spPr>
+      </p:pic>
+    </p:spTree>
+    <p:extLst>
+      <p:ext uri="{BB962C8B-B14F-4D97-AF65-F5344CB8AC3E}">
+        <p14:creationId xmlns:p14="http://schemas.microsoft.com/office/powerpoint/2010/main" val="4180865103"/>
+      </p:ext>
+    </p:extLst>
+  </p:cSld>
+  <p:clrMapOvr>
+    <a:masterClrMapping/>
+  </p:clrMapOvr>
+</p:sld>
+</file>
+
+<file path=ppt/slides/slide6.xml><?xml version="1.0" encoding="utf-8"?>
+<p:sld xmlns:a="http://schemas.openxmlformats.org/drawingml/2006/main" xmlns:r="http://schemas.openxmlformats.org/officeDocument/2006/relationships" xmlns:p="http://schemas.openxmlformats.org/presentationml/2006/main">
+  <p:cSld>
+    <p:spTree>
+      <p:nvGrpSpPr>
+        <p:cNvPr id="1" name=""/>
+        <p:cNvGrpSpPr/>
+        <p:nvPr/>
+      </p:nvGrpSpPr>
+      <p:grpSpPr>
+        <a:xfrm>
+          <a:off x="0" y="0"/>
+          <a:ext cx="0" cy="0"/>
+          <a:chOff x="0" y="0"/>
+          <a:chExt cx="0" cy="0"/>
+        </a:xfrm>
+      </p:grpSpPr>
+      <p:sp>
+        <p:nvSpPr>
           <p:cNvPr id="2" name="Title 1"/>
           <p:cNvSpPr>
             <a:spLocks noGrp="1"/>
@@ -7416,7 +9243,7 @@
 </p:sld>
 </file>
 
-<file path=ppt/slides/slide4.xml><?xml version="1.0" encoding="utf-8"?>
+<file path=ppt/slides/slide7.xml><?xml version="1.0" encoding="utf-8"?>
 <p:sld xmlns:a="http://schemas.openxmlformats.org/drawingml/2006/main" xmlns:r="http://schemas.openxmlformats.org/officeDocument/2006/relationships" xmlns:p="http://schemas.openxmlformats.org/presentationml/2006/main">
   <p:cSld>
     <p:spTree>
@@ -7550,7 +9377,7 @@
 </p:sld>
 </file>
 
-<file path=ppt/slides/slide5.xml><?xml version="1.0" encoding="utf-8"?>
+<file path=ppt/slides/slide8.xml><?xml version="1.0" encoding="utf-8"?>
 <p:sld xmlns:a="http://schemas.openxmlformats.org/drawingml/2006/main" xmlns:r="http://schemas.openxmlformats.org/officeDocument/2006/relationships" xmlns:p="http://schemas.openxmlformats.org/presentationml/2006/main">
   <p:cSld>
     <p:spTree>
@@ -7669,7 +9496,7 @@
 </p:sld>
 </file>
 
-<file path=ppt/slides/slide6.xml><?xml version="1.0" encoding="utf-8"?>
+<file path=ppt/slides/slide9.xml><?xml version="1.0" encoding="utf-8"?>
 <p:sld xmlns:a="http://schemas.openxmlformats.org/drawingml/2006/main" xmlns:r="http://schemas.openxmlformats.org/officeDocument/2006/relationships" xmlns:p="http://schemas.openxmlformats.org/presentationml/2006/main">
   <p:cSld>
     <p:spTree>
@@ -7779,253 +9606,6 @@
     <p:extLst>
       <p:ext uri="{BB962C8B-B14F-4D97-AF65-F5344CB8AC3E}">
         <p14:creationId xmlns:p14="http://schemas.microsoft.com/office/powerpoint/2010/main" val="3015293317"/>
-      </p:ext>
-    </p:extLst>
-  </p:cSld>
-  <p:clrMapOvr>
-    <a:masterClrMapping/>
-  </p:clrMapOvr>
-</p:sld>
-</file>
-
-<file path=ppt/slides/slide7.xml><?xml version="1.0" encoding="utf-8"?>
-<p:sld xmlns:a="http://schemas.openxmlformats.org/drawingml/2006/main" xmlns:r="http://schemas.openxmlformats.org/officeDocument/2006/relationships" xmlns:p="http://schemas.openxmlformats.org/presentationml/2006/main">
-  <p:cSld>
-    <p:spTree>
-      <p:nvGrpSpPr>
-        <p:cNvPr id="1" name="">
-          <a:extLst>
-            <a:ext uri="{FF2B5EF4-FFF2-40B4-BE49-F238E27FC236}">
-              <a16:creationId xmlns:a16="http://schemas.microsoft.com/office/drawing/2014/main" id="{15CF6A76-CCD9-34E8-F71A-AEA29B37BB8C}"/>
-            </a:ext>
-          </a:extLst>
-        </p:cNvPr>
-        <p:cNvGrpSpPr/>
-        <p:nvPr/>
-      </p:nvGrpSpPr>
-      <p:grpSpPr>
-        <a:xfrm>
-          <a:off x="0" y="0"/>
-          <a:ext cx="0" cy="0"/>
-          <a:chOff x="0" y="0"/>
-          <a:chExt cx="0" cy="0"/>
-        </a:xfrm>
-      </p:grpSpPr>
-      <p:sp>
-        <p:nvSpPr>
-          <p:cNvPr id="2" name="Title 1">
-            <a:extLst>
-              <a:ext uri="{FF2B5EF4-FFF2-40B4-BE49-F238E27FC236}">
-                <a16:creationId xmlns:a16="http://schemas.microsoft.com/office/drawing/2014/main" id="{F9282056-5695-C627-2FE0-ACAC924F9B5E}"/>
-              </a:ext>
-            </a:extLst>
-          </p:cNvPr>
-          <p:cNvSpPr>
-            <a:spLocks noGrp="1"/>
-          </p:cNvSpPr>
-          <p:nvPr>
-            <p:ph type="title"/>
-          </p:nvPr>
-        </p:nvSpPr>
-        <p:spPr>
-          <a:xfrm>
-            <a:off x="838200" y="216846"/>
-            <a:ext cx="10515600" cy="1325563"/>
-          </a:xfrm>
-        </p:spPr>
-        <p:txBody>
-          <a:bodyPr/>
-          <a:lstStyle/>
-          <a:p>
-            <a:r>
-              <a:rPr lang="en-US" dirty="0"/>
-              <a:t>Progress Made</a:t>
-            </a:r>
-          </a:p>
-        </p:txBody>
-      </p:sp>
-      <p:sp>
-        <p:nvSpPr>
-          <p:cNvPr id="4" name="Content Placeholder 3">
-            <a:extLst>
-              <a:ext uri="{FF2B5EF4-FFF2-40B4-BE49-F238E27FC236}">
-                <a16:creationId xmlns:a16="http://schemas.microsoft.com/office/drawing/2014/main" id="{64C92C83-CD5E-4F4E-29C8-9F7845256AAE}"/>
-              </a:ext>
-            </a:extLst>
-          </p:cNvPr>
-          <p:cNvSpPr>
-            <a:spLocks noGrp="1"/>
-          </p:cNvSpPr>
-          <p:nvPr>
-            <p:ph idx="1"/>
-          </p:nvPr>
-        </p:nvSpPr>
-        <p:spPr>
-          <a:xfrm>
-            <a:off x="838200" y="1542409"/>
-            <a:ext cx="10515600" cy="4351338"/>
-          </a:xfrm>
-        </p:spPr>
-        <p:txBody>
-          <a:bodyPr>
-            <a:normAutofit/>
-          </a:bodyPr>
-          <a:lstStyle/>
-          <a:p>
-            <a:endParaRPr lang="en-US" dirty="0"/>
-          </a:p>
-          <a:p>
-            <a:endParaRPr lang="en-US" dirty="0"/>
-          </a:p>
-        </p:txBody>
-      </p:sp>
-      <p:pic>
-        <p:nvPicPr>
-          <p:cNvPr id="5" name="Picture 4" descr="A screenshot of a computer screen&#10;&#10;Description automatically generated">
-            <a:extLst>
-              <a:ext uri="{FF2B5EF4-FFF2-40B4-BE49-F238E27FC236}">
-                <a16:creationId xmlns:a16="http://schemas.microsoft.com/office/drawing/2014/main" id="{07053E2B-1577-F871-A0CF-CD064DAE833A}"/>
-              </a:ext>
-            </a:extLst>
-          </p:cNvPr>
-          <p:cNvPicPr>
-            <a:picLocks noChangeAspect="1"/>
-          </p:cNvPicPr>
-          <p:nvPr/>
-        </p:nvPicPr>
-        <p:blipFill>
-          <a:blip r:embed="rId3"/>
-          <a:stretch>
-            <a:fillRect/>
-          </a:stretch>
-        </p:blipFill>
-        <p:spPr>
-          <a:xfrm>
-            <a:off x="838200" y="0"/>
-            <a:ext cx="10515600" cy="6423357"/>
-          </a:xfrm>
-          <a:prstGeom prst="rect">
-            <a:avLst/>
-          </a:prstGeom>
-        </p:spPr>
-      </p:pic>
-    </p:spTree>
-    <p:extLst>
-      <p:ext uri="{BB962C8B-B14F-4D97-AF65-F5344CB8AC3E}">
-        <p14:creationId xmlns:p14="http://schemas.microsoft.com/office/powerpoint/2010/main" val="3499948367"/>
-      </p:ext>
-    </p:extLst>
-  </p:cSld>
-  <p:clrMapOvr>
-    <a:masterClrMapping/>
-  </p:clrMapOvr>
-</p:sld>
-</file>
-
-<file path=ppt/slides/slide8.xml><?xml version="1.0" encoding="utf-8"?>
-<p:sld xmlns:a="http://schemas.openxmlformats.org/drawingml/2006/main" xmlns:r="http://schemas.openxmlformats.org/officeDocument/2006/relationships" xmlns:p="http://schemas.openxmlformats.org/presentationml/2006/main">
-  <p:cSld>
-    <p:spTree>
-      <p:nvGrpSpPr>
-        <p:cNvPr id="1" name="">
-          <a:extLst>
-            <a:ext uri="{FF2B5EF4-FFF2-40B4-BE49-F238E27FC236}">
-              <a16:creationId xmlns:a16="http://schemas.microsoft.com/office/drawing/2014/main" id="{6B03A4E0-C801-1A07-22EA-8E6C177FB25E}"/>
-            </a:ext>
-          </a:extLst>
-        </p:cNvPr>
-        <p:cNvGrpSpPr/>
-        <p:nvPr/>
-      </p:nvGrpSpPr>
-      <p:grpSpPr>
-        <a:xfrm>
-          <a:off x="0" y="0"/>
-          <a:ext cx="0" cy="0"/>
-          <a:chOff x="0" y="0"/>
-          <a:chExt cx="0" cy="0"/>
-        </a:xfrm>
-      </p:grpSpPr>
-      <p:sp>
-        <p:nvSpPr>
-          <p:cNvPr id="2" name="Title 1">
-            <a:extLst>
-              <a:ext uri="{FF2B5EF4-FFF2-40B4-BE49-F238E27FC236}">
-                <a16:creationId xmlns:a16="http://schemas.microsoft.com/office/drawing/2014/main" id="{1D5F4E1F-9ACA-8DB0-300C-8440AE4C7D34}"/>
-              </a:ext>
-            </a:extLst>
-          </p:cNvPr>
-          <p:cNvSpPr>
-            <a:spLocks noGrp="1"/>
-          </p:cNvSpPr>
-          <p:nvPr>
-            <p:ph type="title"/>
-          </p:nvPr>
-        </p:nvSpPr>
-        <p:spPr>
-          <a:xfrm>
-            <a:off x="838200" y="216846"/>
-            <a:ext cx="10515600" cy="1325563"/>
-          </a:xfrm>
-        </p:spPr>
-        <p:txBody>
-          <a:bodyPr/>
-          <a:lstStyle/>
-          <a:p>
-            <a:r>
-              <a:rPr lang="en-US" dirty="0"/>
-              <a:t>Future Work</a:t>
-            </a:r>
-          </a:p>
-        </p:txBody>
-      </p:sp>
-      <p:sp>
-        <p:nvSpPr>
-          <p:cNvPr id="4" name="Content Placeholder 3">
-            <a:extLst>
-              <a:ext uri="{FF2B5EF4-FFF2-40B4-BE49-F238E27FC236}">
-                <a16:creationId xmlns:a16="http://schemas.microsoft.com/office/drawing/2014/main" id="{4C85A553-13A9-FCFB-C4A5-1501813A07B5}"/>
-              </a:ext>
-            </a:extLst>
-          </p:cNvPr>
-          <p:cNvSpPr>
-            <a:spLocks noGrp="1"/>
-          </p:cNvSpPr>
-          <p:nvPr>
-            <p:ph idx="1"/>
-          </p:nvPr>
-        </p:nvSpPr>
-        <p:spPr>
-          <a:xfrm>
-            <a:off x="838200" y="1542409"/>
-            <a:ext cx="10515600" cy="4351338"/>
-          </a:xfrm>
-        </p:spPr>
-        <p:txBody>
-          <a:bodyPr>
-            <a:normAutofit/>
-          </a:bodyPr>
-          <a:lstStyle/>
-          <a:p>
-            <a:r>
-              <a:rPr lang="en-US" dirty="0"/>
-              <a:t>START MODELING (finally)</a:t>
-            </a:r>
-          </a:p>
-          <a:p>
-            <a:r>
-              <a:rPr lang="en-US" dirty="0"/>
-              <a:t>Methodology: Logistic Regression, Support Vector Machine (SVM), K Nearest Neighbors (K-NN), Gradient Boosting Decision Trees, AdaBoost, Random Forests</a:t>
-            </a:r>
-          </a:p>
-          <a:p>
-            <a:endParaRPr lang="en-US" dirty="0"/>
-          </a:p>
-        </p:txBody>
-      </p:sp>
-    </p:spTree>
-    <p:extLst>
-      <p:ext uri="{BB962C8B-B14F-4D97-AF65-F5344CB8AC3E}">
-        <p14:creationId xmlns:p14="http://schemas.microsoft.com/office/powerpoint/2010/main" val="775144813"/>
       </p:ext>
     </p:extLst>
   </p:cSld>
